--- a/DSM/Bolger_DSM_Report_from_the_Trenches_170614.pptx
+++ b/DSM/Bolger_DSM_Report_from_the_Trenches_170614.pptx
@@ -5,10 +5,10 @@
     <p:sldMasterId id="2147483648" r:id="rId1"/>
   </p:sldMasterIdLst>
   <p:notesMasterIdLst>
-    <p:notesMasterId r:id="rId37"/>
+    <p:notesMasterId r:id="rId40"/>
   </p:notesMasterIdLst>
   <p:handoutMasterIdLst>
-    <p:handoutMasterId r:id="rId38"/>
+    <p:handoutMasterId r:id="rId41"/>
   </p:handoutMasterIdLst>
   <p:sldIdLst>
     <p:sldId id="257" r:id="rId2"/>
@@ -26,26 +26,29 @@
     <p:sldId id="531" r:id="rId14"/>
     <p:sldId id="532" r:id="rId15"/>
     <p:sldId id="533" r:id="rId16"/>
-    <p:sldId id="534" r:id="rId17"/>
-    <p:sldId id="535" r:id="rId18"/>
-    <p:sldId id="349" r:id="rId19"/>
-    <p:sldId id="350" r:id="rId20"/>
-    <p:sldId id="285" r:id="rId21"/>
-    <p:sldId id="332" r:id="rId22"/>
-    <p:sldId id="507" r:id="rId23"/>
-    <p:sldId id="539" r:id="rId24"/>
-    <p:sldId id="495" r:id="rId25"/>
-    <p:sldId id="501" r:id="rId26"/>
-    <p:sldId id="541" r:id="rId27"/>
-    <p:sldId id="540" r:id="rId28"/>
-    <p:sldId id="472" r:id="rId29"/>
-    <p:sldId id="511" r:id="rId30"/>
-    <p:sldId id="537" r:id="rId31"/>
-    <p:sldId id="536" r:id="rId32"/>
-    <p:sldId id="516" r:id="rId33"/>
-    <p:sldId id="517" r:id="rId34"/>
-    <p:sldId id="518" r:id="rId35"/>
-    <p:sldId id="416" r:id="rId36"/>
+    <p:sldId id="349" r:id="rId17"/>
+    <p:sldId id="350" r:id="rId18"/>
+    <p:sldId id="285" r:id="rId19"/>
+    <p:sldId id="332" r:id="rId20"/>
+    <p:sldId id="507" r:id="rId21"/>
+    <p:sldId id="539" r:id="rId22"/>
+    <p:sldId id="495" r:id="rId23"/>
+    <p:sldId id="542" r:id="rId24"/>
+    <p:sldId id="544" r:id="rId25"/>
+    <p:sldId id="540" r:id="rId26"/>
+    <p:sldId id="543" r:id="rId27"/>
+    <p:sldId id="501" r:id="rId28"/>
+    <p:sldId id="541" r:id="rId29"/>
+    <p:sldId id="472" r:id="rId30"/>
+    <p:sldId id="511" r:id="rId31"/>
+    <p:sldId id="537" r:id="rId32"/>
+    <p:sldId id="545" r:id="rId33"/>
+    <p:sldId id="536" r:id="rId34"/>
+    <p:sldId id="516" r:id="rId35"/>
+    <p:sldId id="546" r:id="rId36"/>
+    <p:sldId id="517" r:id="rId37"/>
+    <p:sldId id="518" r:id="rId38"/>
+    <p:sldId id="416" r:id="rId39"/>
   </p:sldIdLst>
   <p:sldSz cx="9144000" cy="6858000" type="screen4x3"/>
   <p:notesSz cx="6858000" cy="9144000"/>
@@ -229,7 +232,7 @@
           <a:p>
             <a:fld id="{ED8AF997-4151-B941-BE4F-9B4B4D6C14D9}" type="datetimeFigureOut">
               <a:rPr lang="en-US" smtClean="0"/>
-              <a:t>6/13/2017</a:t>
+              <a:t>6/14/2017</a:t>
             </a:fld>
             <a:endParaRPr lang="en-US"/>
           </a:p>
@@ -395,7 +398,7 @@
           <a:p>
             <a:fld id="{3CF931A8-25D3-C54C-BD1F-10D44CFB89B1}" type="datetimeFigureOut">
               <a:rPr lang="en-US" smtClean="0"/>
-              <a:t>6/13/2017</a:t>
+              <a:t>6/14/2017</a:t>
             </a:fld>
             <a:endParaRPr lang="en-US"/>
           </a:p>
@@ -776,7 +779,7 @@
           <a:p>
             <a:fld id="{449532B9-1DE5-854F-847B-81DAE3504361}" type="slidenum">
               <a:rPr lang="en-US" smtClean="0"/>
-              <a:t>18</a:t>
+              <a:t>16</a:t>
             </a:fld>
             <a:endParaRPr lang="en-US"/>
           </a:p>
@@ -910,7 +913,7 @@
           <a:p>
             <a:fld id="{449532B9-1DE5-854F-847B-81DAE3504361}" type="slidenum">
               <a:rPr lang="en-US" smtClean="0"/>
-              <a:t>19</a:t>
+              <a:t>17</a:t>
             </a:fld>
             <a:endParaRPr lang="en-US"/>
           </a:p>
@@ -1048,7 +1051,7 @@
           <a:p>
             <a:fld id="{449532B9-1DE5-854F-847B-81DAE3504361}" type="slidenum">
               <a:rPr lang="en-US" smtClean="0"/>
-              <a:t>20</a:t>
+              <a:t>18</a:t>
             </a:fld>
             <a:endParaRPr lang="en-US"/>
           </a:p>
@@ -1132,7 +1135,7 @@
           <a:p>
             <a:fld id="{FB401202-7B2C-1F44-9EFD-3AAF0086B375}" type="slidenum">
               <a:rPr lang="en-US" smtClean="0"/>
-              <a:t>21</a:t>
+              <a:t>19</a:t>
             </a:fld>
             <a:endParaRPr lang="en-US"/>
           </a:p>
@@ -1216,7 +1219,7 @@
           <a:p>
             <a:fld id="{FB401202-7B2C-1F44-9EFD-3AAF0086B375}" type="slidenum">
               <a:rPr lang="en-US" smtClean="0"/>
-              <a:t>22</a:t>
+              <a:t>20</a:t>
             </a:fld>
             <a:endParaRPr lang="en-US"/>
           </a:p>
@@ -1313,7 +1316,7 @@
           <a:p>
             <a:fld id="{FB401202-7B2C-1F44-9EFD-3AAF0086B375}" type="slidenum">
               <a:rPr lang="en-US" smtClean="0"/>
-              <a:t>28</a:t>
+              <a:t>29</a:t>
             </a:fld>
             <a:endParaRPr lang="en-US"/>
           </a:p>
@@ -1397,7 +1400,7 @@
           <a:p>
             <a:fld id="{FB401202-7B2C-1F44-9EFD-3AAF0086B375}" type="slidenum">
               <a:rPr lang="en-US" smtClean="0"/>
-              <a:t>34</a:t>
+              <a:t>37</a:t>
             </a:fld>
             <a:endParaRPr lang="en-US"/>
           </a:p>
@@ -1481,7 +1484,7 @@
           <a:p>
             <a:fld id="{449532B9-1DE5-854F-847B-81DAE3504361}" type="slidenum">
               <a:rPr lang="en-US" smtClean="0"/>
-              <a:t>35</a:t>
+              <a:t>38</a:t>
             </a:fld>
             <a:endParaRPr lang="en-US"/>
           </a:p>
@@ -1681,7 +1684,7 @@
           <a:p>
             <a:fld id="{3092F03C-7AD8-CA42-B8B6-48E38F7C0A8F}" type="datetime1">
               <a:rPr lang="en-US" smtClean="0"/>
-              <a:t>6/13/2017</a:t>
+              <a:t>6/14/2017</a:t>
             </a:fld>
             <a:endParaRPr lang="en-US"/>
           </a:p>
@@ -1851,7 +1854,7 @@
           <a:p>
             <a:fld id="{D13FE96D-78AE-AF4D-843A-55EF97CAEB4C}" type="datetime1">
               <a:rPr lang="en-US" smtClean="0"/>
-              <a:t>6/13/2017</a:t>
+              <a:t>6/14/2017</a:t>
             </a:fld>
             <a:endParaRPr lang="en-US"/>
           </a:p>
@@ -2031,7 +2034,7 @@
           <a:p>
             <a:fld id="{44025288-BE4E-0C48-AD9C-83947D3C0A53}" type="datetime1">
               <a:rPr lang="en-US" smtClean="0"/>
-              <a:t>6/13/2017</a:t>
+              <a:t>6/14/2017</a:t>
             </a:fld>
             <a:endParaRPr lang="en-US"/>
           </a:p>
@@ -2201,7 +2204,7 @@
           <a:p>
             <a:fld id="{F6595C39-964A-894A-899B-FA774D6FB125}" type="datetime1">
               <a:rPr lang="en-US" smtClean="0"/>
-              <a:t>6/13/2017</a:t>
+              <a:t>6/14/2017</a:t>
             </a:fld>
             <a:endParaRPr lang="en-US"/>
           </a:p>
@@ -2447,7 +2450,7 @@
           <a:p>
             <a:fld id="{CAF44435-6EAD-6B48-BD26-DEAF0355E46A}" type="datetime1">
               <a:rPr lang="en-US" smtClean="0"/>
-              <a:t>6/13/2017</a:t>
+              <a:t>6/14/2017</a:t>
             </a:fld>
             <a:endParaRPr lang="en-US"/>
           </a:p>
@@ -2735,7 +2738,7 @@
           <a:p>
             <a:fld id="{290D888E-9DCC-E140-95C2-A1C199E73FEC}" type="datetime1">
               <a:rPr lang="en-US" smtClean="0"/>
-              <a:t>6/13/2017</a:t>
+              <a:t>6/14/2017</a:t>
             </a:fld>
             <a:endParaRPr lang="en-US"/>
           </a:p>
@@ -3157,7 +3160,7 @@
           <a:p>
             <a:fld id="{AED37F02-A15E-BE42-8B8F-1E1EBD1B3F57}" type="datetime1">
               <a:rPr lang="en-US" smtClean="0"/>
-              <a:t>6/13/2017</a:t>
+              <a:t>6/14/2017</a:t>
             </a:fld>
             <a:endParaRPr lang="en-US"/>
           </a:p>
@@ -3275,7 +3278,7 @@
           <a:p>
             <a:fld id="{91D55A73-E565-014F-BD44-70F7B314B80C}" type="datetime1">
               <a:rPr lang="en-US" smtClean="0"/>
-              <a:t>6/13/2017</a:t>
+              <a:t>6/14/2017</a:t>
             </a:fld>
             <a:endParaRPr lang="en-US"/>
           </a:p>
@@ -3370,7 +3373,7 @@
           <a:p>
             <a:fld id="{7A9D32BA-5AA1-DE4B-AF6D-BE9E275C2FAB}" type="datetime1">
               <a:rPr lang="en-US" smtClean="0"/>
-              <a:t>6/13/2017</a:t>
+              <a:t>6/14/2017</a:t>
             </a:fld>
             <a:endParaRPr lang="en-US"/>
           </a:p>
@@ -3647,7 +3650,7 @@
           <a:p>
             <a:fld id="{1F5FF117-ADAD-DF4D-AB7D-B7CC6C2C971A}" type="datetime1">
               <a:rPr lang="en-US" smtClean="0"/>
-              <a:t>6/13/2017</a:t>
+              <a:t>6/14/2017</a:t>
             </a:fld>
             <a:endParaRPr lang="en-US"/>
           </a:p>
@@ -3900,7 +3903,7 @@
           <a:p>
             <a:fld id="{45419B7B-0B41-834D-B83E-0CD3DA689456}" type="datetime1">
               <a:rPr lang="en-US" smtClean="0"/>
-              <a:t>6/13/2017</a:t>
+              <a:t>6/14/2017</a:t>
             </a:fld>
             <a:endParaRPr lang="en-US"/>
           </a:p>
@@ -4113,7 +4116,7 @@
           <a:p>
             <a:fld id="{656FF8BA-9CFF-214D-BFC4-D985610E2320}" type="datetime1">
               <a:rPr lang="en-US" smtClean="0"/>
-              <a:t>6/13/2017</a:t>
+              <a:t>6/14/2017</a:t>
             </a:fld>
             <a:endParaRPr lang="en-US"/>
           </a:p>
@@ -4898,7 +4901,7 @@
           <a:graphicData uri="http://schemas.openxmlformats.org/presentationml/2006/ole">
             <mc:AlternateContent xmlns:mc="http://schemas.openxmlformats.org/markup-compatibility/2006">
               <mc:Choice xmlns:v="urn:schemas-microsoft-com:vml" Requires="v">
-                <p:oleObj spid="_x0000_s4134" name="Chart" r:id="rId3" imgW="8220150" imgH="4533990" progId="MSGraph.Chart.8">
+                <p:oleObj spid="_x0000_s4143" name="Chart" r:id="rId3" imgW="8220150" imgH="4533990" progId="MSGraph.Chart.8">
                   <p:embed followColorScheme="full"/>
                 </p:oleObj>
               </mc:Choice>
@@ -5493,7 +5496,7 @@
         </p:nvSpPr>
         <p:spPr>
           <a:xfrm>
-            <a:off x="457200" y="1552575"/>
+            <a:off x="-211552" y="1552575"/>
             <a:ext cx="8686800" cy="4968875"/>
           </a:xfrm>
         </p:spPr>
@@ -5506,7 +5509,6 @@
               <a:rPr lang="en-US" altLang="en-US" dirty="0" smtClean="0"/>
               <a:t>Multilevel Dampened Linear Oscillator Model</a:t>
             </a:r>
-            <a:endParaRPr lang="en-US" altLang="en-US" dirty="0" smtClean="0"/>
           </a:p>
           <a:p>
             <a:pPr eaLnBrk="1" hangingPunct="1">
@@ -5536,23 +5538,13 @@
             </a:pPr>
             <a:r>
               <a:rPr lang="en-US" altLang="en-US" dirty="0" smtClean="0"/>
-              <a:t>		</a:t>
-            </a:r>
-            <a:r>
-              <a:rPr lang="en-US" altLang="en-US" dirty="0" smtClean="0"/>
-              <a:t>		</a:t>
+              <a:t>				</a:t>
             </a:r>
             <a:r>
               <a:rPr lang="en-US" altLang="en-US" sz="2400" i="1" dirty="0" smtClean="0">
                 <a:latin typeface="Times New Roman" pitchFamily="18" charset="0"/>
               </a:rPr>
-              <a:t>where </a:t>
-            </a:r>
-            <a:r>
-              <a:rPr lang="en-US" altLang="en-US" sz="2400" i="1" dirty="0" smtClean="0">
-                <a:latin typeface="Times New Roman" pitchFamily="18" charset="0"/>
-              </a:rPr>
-              <a:t>x is a function of the logit value of 				support provision at diary day (t)</a:t>
+              <a:t>where x is a function of the logit value of 				support provision at diary day (t)</a:t>
             </a:r>
           </a:p>
           <a:p>
@@ -5665,20 +5657,20 @@
             <p:ph idx="4294967295"/>
             <p:extLst>
               <p:ext uri="{D42A27DB-BD31-4B8C-83A1-F6EECF244321}">
-                <p14:modId xmlns:p14="http://schemas.microsoft.com/office/powerpoint/2010/main" val="3725034717"/>
+                <p14:modId xmlns:p14="http://schemas.microsoft.com/office/powerpoint/2010/main" val="1652374568"/>
               </p:ext>
             </p:extLst>
           </p:nvPr>
         </p:nvGraphicFramePr>
         <p:xfrm>
-          <a:off x="2036763" y="2520950"/>
+          <a:off x="385355" y="2520950"/>
           <a:ext cx="5616575" cy="1219200"/>
         </p:xfrm>
         <a:graphic>
           <a:graphicData uri="http://schemas.openxmlformats.org/presentationml/2006/ole">
             <mc:AlternateContent xmlns:mc="http://schemas.openxmlformats.org/markup-compatibility/2006">
               <mc:Choice xmlns:v="urn:schemas-microsoft-com:vml" Requires="v">
-                <p:oleObj spid="_x0000_s5162" name="Equation" r:id="rId3" imgW="1930320" imgH="419040" progId="Equation.3">
+                <p:oleObj spid="_x0000_s5174" name="Equation" r:id="rId3" imgW="1930320" imgH="419040" progId="Equation.3">
                   <p:embed/>
                 </p:oleObj>
               </mc:Choice>
@@ -5702,7 +5694,7 @@
                     </p:blipFill>
                     <p:spPr bwMode="auto">
                       <a:xfrm>
-                        <a:off x="2036763" y="2520950"/>
+                        <a:off x="385355" y="2520950"/>
                         <a:ext cx="5616575" cy="1219200"/>
                       </a:xfrm>
                       <a:prstGeom prst="rect">
@@ -5749,6 +5741,55 @@
           </a:graphicData>
         </a:graphic>
       </p:graphicFrame>
+      <p:pic>
+        <p:nvPicPr>
+          <p:cNvPr id="5167" name="Picture 47"/>
+          <p:cNvPicPr>
+            <a:picLocks noChangeAspect="1" noChangeArrowheads="1"/>
+          </p:cNvPicPr>
+          <p:nvPr/>
+        </p:nvPicPr>
+        <p:blipFill>
+          <a:blip r:embed="rId5">
+            <a:extLst>
+              <a:ext uri="{28A0092B-C50C-407E-A947-70E740481C1C}">
+                <a14:useLocalDpi xmlns:a14="http://schemas.microsoft.com/office/drawing/2010/main" val="0"/>
+              </a:ext>
+            </a:extLst>
+          </a:blip>
+          <a:srcRect/>
+          <a:stretch>
+            <a:fillRect/>
+          </a:stretch>
+        </p:blipFill>
+        <p:spPr bwMode="auto">
+          <a:xfrm>
+            <a:off x="7132875" y="2402006"/>
+            <a:ext cx="828675" cy="3200400"/>
+          </a:xfrm>
+          <a:prstGeom prst="rect">
+            <a:avLst/>
+          </a:prstGeom>
+          <a:noFill/>
+          <a:ln w="9525">
+            <a:solidFill>
+              <a:schemeClr val="tx1"/>
+            </a:solidFill>
+            <a:miter lim="800000"/>
+            <a:headEnd/>
+            <a:tailEnd/>
+          </a:ln>
+          <a:extLst>
+            <a:ext uri="{909E8E84-426E-40DD-AFC4-6F175D3DCCD1}">
+              <a14:hiddenFill xmlns:a14="http://schemas.microsoft.com/office/drawing/2010/main">
+                <a:solidFill>
+                  <a:schemeClr val="accent1"/>
+                </a:solidFill>
+              </a14:hiddenFill>
+            </a:ext>
+          </a:extLst>
+        </p:spPr>
+      </p:pic>
     </p:spTree>
     <p:extLst>
       <p:ext uri="{BB962C8B-B14F-4D97-AF65-F5344CB8AC3E}">
@@ -6064,7 +6105,7 @@
               <a:graphicData uri="http://schemas.openxmlformats.org/presentationml/2006/ole">
                 <mc:AlternateContent xmlns:mc="http://schemas.openxmlformats.org/markup-compatibility/2006">
                   <mc:Choice xmlns:v="urn:schemas-microsoft-com:vml" Requires="v">
-                    <p:oleObj spid="_x0000_s6182" name="Chart" r:id="rId3" imgW="8220150" imgH="4533990" progId="MSGraph.Chart.8">
+                    <p:oleObj spid="_x0000_s6191" name="Chart" r:id="rId3" imgW="8220150" imgH="4533990" progId="MSGraph.Chart.8">
                       <p:embed followColorScheme="full"/>
                     </p:oleObj>
                   </mc:Choice>
@@ -6534,8 +6575,16 @@
           <a:p>
             <a:pPr eaLnBrk="1" hangingPunct="1"/>
             <a:r>
-              <a:rPr lang="en-US" altLang="en-US" smtClean="0"/>
-              <a:t>Application: Modeling dyadic data as a dynamic system</a:t>
+              <a:rPr lang="en-US" altLang="en-US" u="sng" dirty="0" smtClean="0"/>
+              <a:t>Second Attempt</a:t>
+            </a:r>
+            <a:r>
+              <a:rPr lang="en-US" altLang="en-US" dirty="0" smtClean="0"/>
+              <a:t>: </a:t>
+            </a:r>
+            <a:r>
+              <a:rPr lang="en-US" altLang="en-US" dirty="0" smtClean="0"/>
+              <a:t>Modeling dyadic data as a dynamic system</a:t>
             </a:r>
           </a:p>
         </p:txBody>
@@ -6814,234 +6863,6 @@
       </p:grpSpPr>
       <p:sp>
         <p:nvSpPr>
-          <p:cNvPr id="4" name="Slide Number Placeholder 3"/>
-          <p:cNvSpPr>
-            <a:spLocks noGrp="1"/>
-          </p:cNvSpPr>
-          <p:nvPr>
-            <p:ph type="sldNum" sz="quarter" idx="12"/>
-          </p:nvPr>
-        </p:nvSpPr>
-        <p:spPr/>
-        <p:txBody>
-          <a:bodyPr/>
-          <a:lstStyle/>
-          <a:p>
-            <a:fld id="{930465AD-53DA-D841-AEBD-0BDBF8BCBA90}" type="slidenum">
-              <a:rPr lang="en-US" smtClean="0"/>
-              <a:t>16</a:t>
-            </a:fld>
-            <a:endParaRPr lang="en-US"/>
-          </a:p>
-        </p:txBody>
-      </p:sp>
-      <p:pic>
-        <p:nvPicPr>
-          <p:cNvPr id="1026" name="Picture 2"/>
-          <p:cNvPicPr>
-            <a:picLocks noChangeAspect="1" noChangeArrowheads="1"/>
-          </p:cNvPicPr>
-          <p:nvPr/>
-        </p:nvPicPr>
-        <p:blipFill>
-          <a:blip r:embed="rId2">
-            <a:extLst>
-              <a:ext uri="{28A0092B-C50C-407E-A947-70E740481C1C}">
-                <a14:useLocalDpi xmlns:a14="http://schemas.microsoft.com/office/drawing/2010/main" val="0"/>
-              </a:ext>
-            </a:extLst>
-          </a:blip>
-          <a:srcRect/>
-          <a:stretch>
-            <a:fillRect/>
-          </a:stretch>
-        </p:blipFill>
-        <p:spPr bwMode="auto">
-          <a:xfrm>
-            <a:off x="111125" y="823913"/>
-            <a:ext cx="8972550" cy="5210175"/>
-          </a:xfrm>
-          <a:prstGeom prst="rect">
-            <a:avLst/>
-          </a:prstGeom>
-          <a:noFill/>
-          <a:ln>
-            <a:noFill/>
-          </a:ln>
-          <a:extLst>
-            <a:ext uri="{909E8E84-426E-40DD-AFC4-6F175D3DCCD1}">
-              <a14:hiddenFill xmlns:a14="http://schemas.microsoft.com/office/drawing/2010/main">
-                <a:solidFill>
-                  <a:schemeClr val="accent1"/>
-                </a:solidFill>
-              </a14:hiddenFill>
-            </a:ext>
-            <a:ext uri="{91240B29-F687-4F45-9708-019B960494DF}">
-              <a14:hiddenLine xmlns:a14="http://schemas.microsoft.com/office/drawing/2010/main" w="9525">
-                <a:solidFill>
-                  <a:schemeClr val="tx1"/>
-                </a:solidFill>
-                <a:miter lim="800000"/>
-                <a:headEnd/>
-                <a:tailEnd/>
-              </a14:hiddenLine>
-            </a:ext>
-          </a:extLst>
-        </p:spPr>
-      </p:pic>
-    </p:spTree>
-    <p:extLst>
-      <p:ext uri="{BB962C8B-B14F-4D97-AF65-F5344CB8AC3E}">
-        <p14:creationId xmlns:p14="http://schemas.microsoft.com/office/powerpoint/2010/main" val="501643778"/>
-      </p:ext>
-    </p:extLst>
-  </p:cSld>
-  <p:clrMapOvr>
-    <a:masterClrMapping/>
-  </p:clrMapOvr>
-  <p:timing>
-    <p:tnLst>
-      <p:par>
-        <p:cTn id="1" dur="indefinite" restart="never" nodeType="tmRoot"/>
-      </p:par>
-    </p:tnLst>
-  </p:timing>
-</p:sld>
-</file>
-
-<file path=ppt/slides/slide17.xml><?xml version="1.0" encoding="utf-8"?>
-<p:sld xmlns:a="http://schemas.openxmlformats.org/drawingml/2006/main" xmlns:r="http://schemas.openxmlformats.org/officeDocument/2006/relationships" xmlns:p="http://schemas.openxmlformats.org/presentationml/2006/main">
-  <p:cSld>
-    <p:spTree>
-      <p:nvGrpSpPr>
-        <p:cNvPr id="1" name=""/>
-        <p:cNvGrpSpPr/>
-        <p:nvPr/>
-      </p:nvGrpSpPr>
-      <p:grpSpPr>
-        <a:xfrm>
-          <a:off x="0" y="0"/>
-          <a:ext cx="0" cy="0"/>
-          <a:chOff x="0" y="0"/>
-          <a:chExt cx="0" cy="0"/>
-        </a:xfrm>
-      </p:grpSpPr>
-      <p:sp>
-        <p:nvSpPr>
-          <p:cNvPr id="2" name="Slide Number Placeholder 1"/>
-          <p:cNvSpPr>
-            <a:spLocks noGrp="1"/>
-          </p:cNvSpPr>
-          <p:nvPr>
-            <p:ph type="sldNum" sz="quarter" idx="12"/>
-          </p:nvPr>
-        </p:nvSpPr>
-        <p:spPr/>
-        <p:txBody>
-          <a:bodyPr/>
-          <a:lstStyle/>
-          <a:p>
-            <a:fld id="{930465AD-53DA-D841-AEBD-0BDBF8BCBA90}" type="slidenum">
-              <a:rPr lang="en-US" smtClean="0"/>
-              <a:t>17</a:t>
-            </a:fld>
-            <a:endParaRPr lang="en-US"/>
-          </a:p>
-        </p:txBody>
-      </p:sp>
-      <p:pic>
-        <p:nvPicPr>
-          <p:cNvPr id="7170" name="Picture 2"/>
-          <p:cNvPicPr>
-            <a:picLocks noChangeAspect="1" noChangeArrowheads="1"/>
-          </p:cNvPicPr>
-          <p:nvPr/>
-        </p:nvPicPr>
-        <p:blipFill>
-          <a:blip r:embed="rId2">
-            <a:extLst>
-              <a:ext uri="{28A0092B-C50C-407E-A947-70E740481C1C}">
-                <a14:useLocalDpi xmlns:a14="http://schemas.microsoft.com/office/drawing/2010/main" val="0"/>
-              </a:ext>
-            </a:extLst>
-          </a:blip>
-          <a:srcRect/>
-          <a:stretch>
-            <a:fillRect/>
-          </a:stretch>
-        </p:blipFill>
-        <p:spPr bwMode="auto">
-          <a:xfrm>
-            <a:off x="195263" y="633413"/>
-            <a:ext cx="8753475" cy="5591175"/>
-          </a:xfrm>
-          <a:prstGeom prst="rect">
-            <a:avLst/>
-          </a:prstGeom>
-          <a:noFill/>
-          <a:ln>
-            <a:noFill/>
-          </a:ln>
-          <a:extLst>
-            <a:ext uri="{909E8E84-426E-40DD-AFC4-6F175D3DCCD1}">
-              <a14:hiddenFill xmlns:a14="http://schemas.microsoft.com/office/drawing/2010/main">
-                <a:solidFill>
-                  <a:schemeClr val="accent1"/>
-                </a:solidFill>
-              </a14:hiddenFill>
-            </a:ext>
-            <a:ext uri="{91240B29-F687-4F45-9708-019B960494DF}">
-              <a14:hiddenLine xmlns:a14="http://schemas.microsoft.com/office/drawing/2010/main" w="9525">
-                <a:solidFill>
-                  <a:schemeClr val="tx1"/>
-                </a:solidFill>
-                <a:miter lim="800000"/>
-                <a:headEnd/>
-                <a:tailEnd/>
-              </a14:hiddenLine>
-            </a:ext>
-          </a:extLst>
-        </p:spPr>
-      </p:pic>
-    </p:spTree>
-    <p:extLst>
-      <p:ext uri="{BB962C8B-B14F-4D97-AF65-F5344CB8AC3E}">
-        <p14:creationId xmlns:p14="http://schemas.microsoft.com/office/powerpoint/2010/main" val="2290203093"/>
-      </p:ext>
-    </p:extLst>
-  </p:cSld>
-  <p:clrMapOvr>
-    <a:masterClrMapping/>
-  </p:clrMapOvr>
-  <p:timing>
-    <p:tnLst>
-      <p:par>
-        <p:cTn id="1" dur="indefinite" restart="never" nodeType="tmRoot"/>
-      </p:par>
-    </p:tnLst>
-  </p:timing>
-</p:sld>
-</file>
-
-<file path=ppt/slides/slide18.xml><?xml version="1.0" encoding="utf-8"?>
-<p:sld xmlns:a="http://schemas.openxmlformats.org/drawingml/2006/main" xmlns:r="http://schemas.openxmlformats.org/officeDocument/2006/relationships" xmlns:p="http://schemas.openxmlformats.org/presentationml/2006/main">
-  <p:cSld>
-    <p:spTree>
-      <p:nvGrpSpPr>
-        <p:cNvPr id="1" name=""/>
-        <p:cNvGrpSpPr/>
-        <p:nvPr/>
-      </p:nvGrpSpPr>
-      <p:grpSpPr>
-        <a:xfrm>
-          <a:off x="0" y="0"/>
-          <a:ext cx="0" cy="0"/>
-          <a:chOff x="0" y="0"/>
-          <a:chExt cx="0" cy="0"/>
-        </a:xfrm>
-      </p:grpSpPr>
-      <p:sp>
-        <p:nvSpPr>
           <p:cNvPr id="2" name="Title 1"/>
           <p:cNvSpPr>
             <a:spLocks noGrp="1"/>
@@ -7080,7 +6901,7 @@
           <a:p>
             <a:fld id="{562B05B1-F230-4C39-ACDE-CFBA7CA93D5F}" type="slidenum">
               <a:rPr lang="en-US" smtClean="0"/>
-              <a:t>18</a:t>
+              <a:t>16</a:t>
             </a:fld>
             <a:endParaRPr lang="en-US" dirty="0"/>
           </a:p>
@@ -7176,7 +6997,7 @@
 </p:sld>
 </file>
 
-<file path=ppt/slides/slide19.xml><?xml version="1.0" encoding="utf-8"?>
+<file path=ppt/slides/slide17.xml><?xml version="1.0" encoding="utf-8"?>
 <p:sld xmlns:a="http://schemas.openxmlformats.org/drawingml/2006/main" xmlns:r="http://schemas.openxmlformats.org/officeDocument/2006/relationships" xmlns:p="http://schemas.openxmlformats.org/presentationml/2006/main">
   <p:cSld>
     <p:spTree>
@@ -7233,7 +7054,7 @@
           <a:p>
             <a:fld id="{562B05B1-F230-4C39-ACDE-CFBA7CA93D5F}" type="slidenum">
               <a:rPr lang="en-US" smtClean="0"/>
-              <a:t>19</a:t>
+              <a:t>17</a:t>
             </a:fld>
             <a:endParaRPr lang="en-US" dirty="0"/>
           </a:p>
@@ -7412,7 +7233,7 @@
 </p:sld>
 </file>
 
-<file path=ppt/slides/slide2.xml><?xml version="1.0" encoding="utf-8"?>
+<file path=ppt/slides/slide18.xml><?xml version="1.0" encoding="utf-8"?>
 <p:sld xmlns:a="http://schemas.openxmlformats.org/drawingml/2006/main" xmlns:r="http://schemas.openxmlformats.org/officeDocument/2006/relationships" xmlns:p="http://schemas.openxmlformats.org/presentationml/2006/main">
   <p:cSld>
     <p:spTree>
@@ -7431,133 +7252,6 @@
       </p:grpSpPr>
       <p:sp>
         <p:nvSpPr>
-          <p:cNvPr id="3074" name="Title 1"/>
-          <p:cNvSpPr>
-            <a:spLocks noGrp="1"/>
-          </p:cNvSpPr>
-          <p:nvPr>
-            <p:ph type="title"/>
-          </p:nvPr>
-        </p:nvSpPr>
-        <p:spPr/>
-        <p:txBody>
-          <a:bodyPr/>
-          <a:lstStyle/>
-          <a:p>
-            <a:pPr eaLnBrk="1" hangingPunct="1"/>
-            <a:r>
-              <a:rPr lang="en-US" altLang="en-US" dirty="0" smtClean="0"/>
-              <a:t>From last year’s conference….</a:t>
-            </a:r>
-            <a:endParaRPr lang="en-US" altLang="en-US" dirty="0" smtClean="0"/>
-          </a:p>
-        </p:txBody>
-      </p:sp>
-      <p:sp>
-        <p:nvSpPr>
-          <p:cNvPr id="3075" name="Content Placeholder 2"/>
-          <p:cNvSpPr>
-            <a:spLocks noGrp="1"/>
-          </p:cNvSpPr>
-          <p:nvPr>
-            <p:ph idx="1"/>
-          </p:nvPr>
-        </p:nvSpPr>
-        <p:spPr>
-          <a:xfrm>
-            <a:off x="228600" y="1727200"/>
-            <a:ext cx="8686800" cy="4525963"/>
-          </a:xfrm>
-        </p:spPr>
-        <p:txBody>
-          <a:bodyPr/>
-          <a:lstStyle/>
-          <a:p>
-            <a:pPr eaLnBrk="1" hangingPunct="1"/>
-            <a:r>
-              <a:rPr lang="en-US" altLang="en-US" dirty="0" smtClean="0"/>
-              <a:t>How do we get from a </a:t>
-            </a:r>
-            <a:r>
-              <a:rPr lang="en-US" altLang="en-US" dirty="0" smtClean="0"/>
-              <a:t>non-dynamic systems </a:t>
-            </a:r>
-            <a:r>
-              <a:rPr lang="en-US" altLang="en-US" dirty="0" smtClean="0"/>
-              <a:t>approach to a dynamic systems approach, without losing the plot?</a:t>
-            </a:r>
-          </a:p>
-          <a:p>
-            <a:pPr eaLnBrk="1" hangingPunct="1"/>
-            <a:endParaRPr lang="en-US" altLang="en-US" dirty="0" smtClean="0"/>
-          </a:p>
-          <a:p>
-            <a:pPr eaLnBrk="1" hangingPunct="1"/>
-            <a:r>
-              <a:rPr lang="en-US" altLang="en-US" dirty="0" smtClean="0"/>
-              <a:t>How do we connect to the current, </a:t>
-            </a:r>
-            <a:r>
-              <a:rPr lang="en-US" altLang="en-US" dirty="0" smtClean="0"/>
-              <a:t>non-dynamic systems </a:t>
-            </a:r>
-            <a:r>
-              <a:rPr lang="en-US" altLang="en-US" dirty="0" smtClean="0"/>
-              <a:t>based literature?</a:t>
-            </a:r>
-          </a:p>
-          <a:p>
-            <a:pPr eaLnBrk="1" hangingPunct="1"/>
-            <a:endParaRPr lang="en-US" altLang="en-US" dirty="0" smtClean="0"/>
-          </a:p>
-          <a:p>
-            <a:pPr eaLnBrk="1" hangingPunct="1"/>
-            <a:r>
-              <a:rPr lang="en-US" altLang="en-US" dirty="0" smtClean="0"/>
-              <a:t>How do we convince skeptics?</a:t>
-            </a:r>
-          </a:p>
-        </p:txBody>
-      </p:sp>
-    </p:spTree>
-    <p:extLst>
-      <p:ext uri="{BB962C8B-B14F-4D97-AF65-F5344CB8AC3E}">
-        <p14:creationId xmlns:p14="http://schemas.microsoft.com/office/powerpoint/2010/main" val="1101858794"/>
-      </p:ext>
-    </p:extLst>
-  </p:cSld>
-  <p:clrMapOvr>
-    <a:masterClrMapping/>
-  </p:clrMapOvr>
-  <p:timing>
-    <p:tnLst>
-      <p:par>
-        <p:cTn id="1" dur="indefinite" restart="never" nodeType="tmRoot"/>
-      </p:par>
-    </p:tnLst>
-  </p:timing>
-</p:sld>
-</file>
-
-<file path=ppt/slides/slide20.xml><?xml version="1.0" encoding="utf-8"?>
-<p:sld xmlns:a="http://schemas.openxmlformats.org/drawingml/2006/main" xmlns:r="http://schemas.openxmlformats.org/officeDocument/2006/relationships" xmlns:p="http://schemas.openxmlformats.org/presentationml/2006/main">
-  <p:cSld>
-    <p:spTree>
-      <p:nvGrpSpPr>
-        <p:cNvPr id="1" name=""/>
-        <p:cNvGrpSpPr/>
-        <p:nvPr/>
-      </p:nvGrpSpPr>
-      <p:grpSpPr>
-        <a:xfrm>
-          <a:off x="0" y="0"/>
-          <a:ext cx="0" cy="0"/>
-          <a:chOff x="0" y="0"/>
-          <a:chExt cx="0" cy="0"/>
-        </a:xfrm>
-      </p:grpSpPr>
-      <p:sp>
-        <p:nvSpPr>
           <p:cNvPr id="2" name="Title 1"/>
           <p:cNvSpPr>
             <a:spLocks noGrp="1"/>
@@ -7596,7 +7290,7 @@
           <a:p>
             <a:fld id="{562B05B1-F230-4C39-ACDE-CFBA7CA93D5F}" type="slidenum">
               <a:rPr lang="en-US" smtClean="0"/>
-              <a:t>20</a:t>
+              <a:t>18</a:t>
             </a:fld>
             <a:endParaRPr lang="en-US" dirty="0"/>
           </a:p>
@@ -7809,7 +7503,7 @@
 </p:sld>
 </file>
 
-<file path=ppt/slides/slide21.xml><?xml version="1.0" encoding="utf-8"?>
+<file path=ppt/slides/slide19.xml><?xml version="1.0" encoding="utf-8"?>
 <p:sld xmlns:a="http://schemas.openxmlformats.org/drawingml/2006/main" xmlns:r="http://schemas.openxmlformats.org/officeDocument/2006/relationships" xmlns:p="http://schemas.openxmlformats.org/presentationml/2006/main">
   <p:cSld>
     <p:spTree>
@@ -8016,7 +7710,7 @@
           <a:p>
             <a:fld id="{930465AD-53DA-D841-AEBD-0BDBF8BCBA90}" type="slidenum">
               <a:rPr lang="en-US" smtClean="0"/>
-              <a:t>21</a:t>
+              <a:t>19</a:t>
             </a:fld>
             <a:endParaRPr lang="en-US"/>
           </a:p>
@@ -8337,7 +8031,7 @@
 </p:sld>
 </file>
 
-<file path=ppt/slides/slide22.xml><?xml version="1.0" encoding="utf-8"?>
+<file path=ppt/slides/slide2.xml><?xml version="1.0" encoding="utf-8"?>
 <p:sld xmlns:a="http://schemas.openxmlformats.org/drawingml/2006/main" xmlns:r="http://schemas.openxmlformats.org/officeDocument/2006/relationships" xmlns:p="http://schemas.openxmlformats.org/presentationml/2006/main">
   <p:cSld>
     <p:spTree>
@@ -8356,6 +8050,116 @@
       </p:grpSpPr>
       <p:sp>
         <p:nvSpPr>
+          <p:cNvPr id="3074" name="Title 1"/>
+          <p:cNvSpPr>
+            <a:spLocks noGrp="1"/>
+          </p:cNvSpPr>
+          <p:nvPr>
+            <p:ph type="title"/>
+          </p:nvPr>
+        </p:nvSpPr>
+        <p:spPr/>
+        <p:txBody>
+          <a:bodyPr/>
+          <a:lstStyle/>
+          <a:p>
+            <a:pPr eaLnBrk="1" hangingPunct="1"/>
+            <a:r>
+              <a:rPr lang="en-US" altLang="en-US" dirty="0" smtClean="0"/>
+              <a:t>From last year’s conference….</a:t>
+            </a:r>
+          </a:p>
+        </p:txBody>
+      </p:sp>
+      <p:sp>
+        <p:nvSpPr>
+          <p:cNvPr id="3075" name="Content Placeholder 2"/>
+          <p:cNvSpPr>
+            <a:spLocks noGrp="1"/>
+          </p:cNvSpPr>
+          <p:nvPr>
+            <p:ph idx="1"/>
+          </p:nvPr>
+        </p:nvSpPr>
+        <p:spPr>
+          <a:xfrm>
+            <a:off x="228600" y="1727200"/>
+            <a:ext cx="8686800" cy="4525963"/>
+          </a:xfrm>
+        </p:spPr>
+        <p:txBody>
+          <a:bodyPr/>
+          <a:lstStyle/>
+          <a:p>
+            <a:pPr eaLnBrk="1" hangingPunct="1"/>
+            <a:r>
+              <a:rPr lang="en-US" altLang="en-US" dirty="0" smtClean="0"/>
+              <a:t>How do we get from a non-dynamic systems approach to a dynamic systems approach, without losing the plot?</a:t>
+            </a:r>
+          </a:p>
+          <a:p>
+            <a:pPr eaLnBrk="1" hangingPunct="1"/>
+            <a:endParaRPr lang="en-US" altLang="en-US" dirty="0" smtClean="0"/>
+          </a:p>
+          <a:p>
+            <a:pPr eaLnBrk="1" hangingPunct="1"/>
+            <a:r>
+              <a:rPr lang="en-US" altLang="en-US" dirty="0" smtClean="0"/>
+              <a:t>How do we connect to the current, non-dynamic systems based literature?</a:t>
+            </a:r>
+          </a:p>
+          <a:p>
+            <a:pPr eaLnBrk="1" hangingPunct="1"/>
+            <a:endParaRPr lang="en-US" altLang="en-US" dirty="0" smtClean="0"/>
+          </a:p>
+          <a:p>
+            <a:pPr eaLnBrk="1" hangingPunct="1"/>
+            <a:r>
+              <a:rPr lang="en-US" altLang="en-US" dirty="0" smtClean="0"/>
+              <a:t>How do we convince skeptics?</a:t>
+            </a:r>
+          </a:p>
+        </p:txBody>
+      </p:sp>
+    </p:spTree>
+    <p:extLst>
+      <p:ext uri="{BB962C8B-B14F-4D97-AF65-F5344CB8AC3E}">
+        <p14:creationId xmlns:p14="http://schemas.microsoft.com/office/powerpoint/2010/main" val="1101858794"/>
+      </p:ext>
+    </p:extLst>
+  </p:cSld>
+  <p:clrMapOvr>
+    <a:masterClrMapping/>
+  </p:clrMapOvr>
+  <p:timing>
+    <p:tnLst>
+      <p:par>
+        <p:cTn id="1" dur="indefinite" restart="never" nodeType="tmRoot"/>
+      </p:par>
+    </p:tnLst>
+  </p:timing>
+</p:sld>
+</file>
+
+<file path=ppt/slides/slide20.xml><?xml version="1.0" encoding="utf-8"?>
+<p:sld xmlns:a="http://schemas.openxmlformats.org/drawingml/2006/main" xmlns:r="http://schemas.openxmlformats.org/officeDocument/2006/relationships" xmlns:p="http://schemas.openxmlformats.org/presentationml/2006/main">
+  <p:cSld>
+    <p:spTree>
+      <p:nvGrpSpPr>
+        <p:cNvPr id="1" name=""/>
+        <p:cNvGrpSpPr/>
+        <p:nvPr/>
+      </p:nvGrpSpPr>
+      <p:grpSpPr>
+        <a:xfrm>
+          <a:off x="0" y="0"/>
+          <a:ext cx="0" cy="0"/>
+          <a:chOff x="0" y="0"/>
+          <a:chExt cx="0" cy="0"/>
+        </a:xfrm>
+      </p:grpSpPr>
+      <p:sp>
+        <p:nvSpPr>
           <p:cNvPr id="2" name="Title 1"/>
           <p:cNvSpPr>
             <a:spLocks noGrp="1"/>
@@ -8401,7 +8205,7 @@
           <a:p>
             <a:fld id="{930465AD-53DA-D841-AEBD-0BDBF8BCBA90}" type="slidenum">
               <a:rPr lang="en-US" smtClean="0"/>
-              <a:t>22</a:t>
+              <a:t>20</a:t>
             </a:fld>
             <a:endParaRPr lang="en-US"/>
           </a:p>
@@ -8455,12 +8259,30 @@
           <a:p>
             <a:pPr algn="ctr"/>
             <a:r>
+              <a:rPr lang="en-US" sz="2800" dirty="0">
+                <a:latin typeface="Helvetica"/>
+                <a:cs typeface="Helvetica"/>
+              </a:rPr>
+              <a:t>30 </a:t>
+            </a:r>
+            <a:r>
               <a:rPr lang="en-US" sz="2800" dirty="0" smtClean="0">
                 <a:latin typeface="Helvetica"/>
                 <a:cs typeface="Helvetica"/>
               </a:rPr>
-              <a:t>10 second intervals = 30 observations/phase</a:t>
-            </a:r>
+              <a:t>observations of 10 </a:t>
+            </a:r>
+            <a:r>
+              <a:rPr lang="en-US" sz="2800" dirty="0">
+                <a:latin typeface="Helvetica"/>
+                <a:cs typeface="Helvetica"/>
+              </a:rPr>
+              <a:t>second intervals </a:t>
+            </a:r>
+            <a:endParaRPr lang="en-US" sz="2800" dirty="0" smtClean="0">
+              <a:latin typeface="Helvetica"/>
+              <a:cs typeface="Helvetica"/>
+            </a:endParaRPr>
           </a:p>
           <a:p>
             <a:pPr algn="ctr"/>
@@ -8493,7 +8315,42 @@
                 <a:latin typeface="Helvetica"/>
                 <a:cs typeface="Helvetica"/>
               </a:rPr>
-              <a:t>Male Provide / Female Receive</a:t>
+              <a:t>Female </a:t>
+            </a:r>
+            <a:r>
+              <a:rPr lang="en-US" sz="2800" dirty="0" smtClean="0">
+                <a:latin typeface="Helvetica"/>
+                <a:cs typeface="Helvetica"/>
+              </a:rPr>
+              <a:t>Provide </a:t>
+            </a:r>
+            <a:r>
+              <a:rPr lang="en-US" sz="2800" dirty="0" smtClean="0">
+                <a:latin typeface="Helvetica"/>
+                <a:cs typeface="Helvetica"/>
+              </a:rPr>
+              <a:t>/ </a:t>
+            </a:r>
+            <a:r>
+              <a:rPr lang="en-US" sz="2800" dirty="0">
+                <a:latin typeface="Helvetica"/>
+                <a:cs typeface="Helvetica"/>
+              </a:rPr>
+              <a:t>M</a:t>
+            </a:r>
+            <a:r>
+              <a:rPr lang="en-US" sz="2800" dirty="0" smtClean="0">
+                <a:latin typeface="Helvetica"/>
+                <a:cs typeface="Helvetica"/>
+              </a:rPr>
+              <a:t>ale </a:t>
+            </a:r>
+            <a:r>
+              <a:rPr lang="en-US" sz="2800" dirty="0" smtClean="0">
+                <a:latin typeface="Helvetica"/>
+                <a:cs typeface="Helvetica"/>
+              </a:rPr>
+              <a:t>Receive</a:t>
             </a:r>
           </a:p>
         </p:txBody>
@@ -8508,6 +8365,317 @@
   <p:clrMapOvr>
     <a:masterClrMapping/>
   </p:clrMapOvr>
+  <p:timing>
+    <p:tnLst>
+      <p:par>
+        <p:cTn id="1" dur="indefinite" restart="never" nodeType="tmRoot"/>
+      </p:par>
+    </p:tnLst>
+  </p:timing>
+</p:sld>
+</file>
+
+<file path=ppt/slides/slide21.xml><?xml version="1.0" encoding="utf-8"?>
+<p:sld xmlns:a="http://schemas.openxmlformats.org/drawingml/2006/main" xmlns:r="http://schemas.openxmlformats.org/officeDocument/2006/relationships" xmlns:p="http://schemas.openxmlformats.org/presentationml/2006/main">
+  <p:cSld>
+    <p:spTree>
+      <p:nvGrpSpPr>
+        <p:cNvPr id="1" name=""/>
+        <p:cNvGrpSpPr/>
+        <p:nvPr/>
+      </p:nvGrpSpPr>
+      <p:grpSpPr>
+        <a:xfrm>
+          <a:off x="0" y="0"/>
+          <a:ext cx="0" cy="0"/>
+          <a:chOff x="0" y="0"/>
+          <a:chExt cx="0" cy="0"/>
+        </a:xfrm>
+      </p:grpSpPr>
+      <p:sp>
+        <p:nvSpPr>
+          <p:cNvPr id="3" name="Slide Number Placeholder 2"/>
+          <p:cNvSpPr>
+            <a:spLocks noGrp="1"/>
+          </p:cNvSpPr>
+          <p:nvPr>
+            <p:ph type="sldNum" sz="quarter" idx="12"/>
+          </p:nvPr>
+        </p:nvSpPr>
+        <p:spPr/>
+        <p:txBody>
+          <a:bodyPr/>
+          <a:lstStyle/>
+          <a:p>
+            <a:fld id="{930465AD-53DA-D841-AEBD-0BDBF8BCBA90}" type="slidenum">
+              <a:rPr lang="en-US" smtClean="0"/>
+              <a:t>21</a:t>
+            </a:fld>
+            <a:endParaRPr lang="en-US"/>
+          </a:p>
+        </p:txBody>
+      </p:sp>
+      <p:sp>
+        <p:nvSpPr>
+          <p:cNvPr id="9" name="Title 2"/>
+          <p:cNvSpPr>
+            <a:spLocks noGrp="1"/>
+          </p:cNvSpPr>
+          <p:nvPr>
+            <p:ph type="title"/>
+          </p:nvPr>
+        </p:nvSpPr>
+        <p:spPr>
+          <a:xfrm>
+            <a:off x="290606" y="215900"/>
+            <a:ext cx="2543082" cy="835026"/>
+          </a:xfrm>
+        </p:spPr>
+        <p:txBody>
+          <a:bodyPr>
+            <a:normAutofit/>
+          </a:bodyPr>
+          <a:lstStyle/>
+          <a:p>
+            <a:r>
+              <a:rPr lang="en-US" sz="3600" dirty="0" smtClean="0"/>
+              <a:t>Dyad 168</a:t>
+            </a:r>
+            <a:endParaRPr lang="en-US" sz="3600" dirty="0"/>
+          </a:p>
+        </p:txBody>
+      </p:sp>
+      <p:pic>
+        <p:nvPicPr>
+          <p:cNvPr id="8194" name="Picture 2"/>
+          <p:cNvPicPr>
+            <a:picLocks noChangeAspect="1" noChangeArrowheads="1"/>
+          </p:cNvPicPr>
+          <p:nvPr/>
+        </p:nvPicPr>
+        <p:blipFill>
+          <a:blip r:embed="rId2">
+            <a:extLst>
+              <a:ext uri="{28A0092B-C50C-407E-A947-70E740481C1C}">
+                <a14:useLocalDpi xmlns:a14="http://schemas.microsoft.com/office/drawing/2010/main" val="0"/>
+              </a:ext>
+            </a:extLst>
+          </a:blip>
+          <a:srcRect/>
+          <a:stretch>
+            <a:fillRect/>
+          </a:stretch>
+        </p:blipFill>
+        <p:spPr bwMode="auto">
+          <a:xfrm>
+            <a:off x="492487" y="1005521"/>
+            <a:ext cx="7829074" cy="5715953"/>
+          </a:xfrm>
+          <a:prstGeom prst="rect">
+            <a:avLst/>
+          </a:prstGeom>
+          <a:noFill/>
+          <a:ln>
+            <a:noFill/>
+          </a:ln>
+          <a:extLst>
+            <a:ext uri="{909E8E84-426E-40DD-AFC4-6F175D3DCCD1}">
+              <a14:hiddenFill xmlns:a14="http://schemas.microsoft.com/office/drawing/2010/main">
+                <a:solidFill>
+                  <a:schemeClr val="accent1"/>
+                </a:solidFill>
+              </a14:hiddenFill>
+            </a:ext>
+            <a:ext uri="{91240B29-F687-4F45-9708-019B960494DF}">
+              <a14:hiddenLine xmlns:a14="http://schemas.microsoft.com/office/drawing/2010/main" w="9525">
+                <a:solidFill>
+                  <a:schemeClr val="tx1"/>
+                </a:solidFill>
+                <a:miter lim="800000"/>
+                <a:headEnd/>
+                <a:tailEnd/>
+              </a14:hiddenLine>
+            </a:ext>
+          </a:extLst>
+        </p:spPr>
+      </p:pic>
+    </p:spTree>
+    <p:extLst>
+      <p:ext uri="{BB962C8B-B14F-4D97-AF65-F5344CB8AC3E}">
+        <p14:creationId xmlns:p14="http://schemas.microsoft.com/office/powerpoint/2010/main" val="1062077804"/>
+      </p:ext>
+    </p:extLst>
+  </p:cSld>
+  <p:clrMapOvr>
+    <a:masterClrMapping/>
+  </p:clrMapOvr>
+  <p:timing>
+    <p:tnLst>
+      <p:par>
+        <p:cTn id="1" dur="indefinite" restart="never" nodeType="tmRoot"/>
+      </p:par>
+    </p:tnLst>
+  </p:timing>
+</p:sld>
+</file>
+
+<file path=ppt/slides/slide22.xml><?xml version="1.0" encoding="utf-8"?>
+<p:sld xmlns:a="http://schemas.openxmlformats.org/drawingml/2006/main" xmlns:r="http://schemas.openxmlformats.org/officeDocument/2006/relationships" xmlns:p="http://schemas.openxmlformats.org/presentationml/2006/main">
+  <p:cSld>
+    <p:spTree>
+      <p:nvGrpSpPr>
+        <p:cNvPr id="1" name=""/>
+        <p:cNvGrpSpPr/>
+        <p:nvPr/>
+      </p:nvGrpSpPr>
+      <p:grpSpPr>
+        <a:xfrm>
+          <a:off x="0" y="0"/>
+          <a:ext cx="0" cy="0"/>
+          <a:chOff x="0" y="0"/>
+          <a:chExt cx="0" cy="0"/>
+        </a:xfrm>
+      </p:grpSpPr>
+      <p:sp>
+        <p:nvSpPr>
+          <p:cNvPr id="2" name="Title 1"/>
+          <p:cNvSpPr>
+            <a:spLocks noGrp="1"/>
+          </p:cNvSpPr>
+          <p:nvPr>
+            <p:ph type="title"/>
+          </p:nvPr>
+        </p:nvSpPr>
+        <p:spPr/>
+        <p:txBody>
+          <a:bodyPr/>
+          <a:lstStyle/>
+          <a:p>
+            <a:r>
+              <a:rPr lang="en-US" dirty="0" smtClean="0"/>
+              <a:t>Analysis Strategy</a:t>
+            </a:r>
+            <a:endParaRPr lang="en-US" dirty="0"/>
+          </a:p>
+        </p:txBody>
+      </p:sp>
+      <p:sp>
+        <p:nvSpPr>
+          <p:cNvPr id="3" name="Content Placeholder 2"/>
+          <p:cNvSpPr>
+            <a:spLocks noGrp="1"/>
+          </p:cNvSpPr>
+          <p:nvPr>
+            <p:ph idx="1"/>
+          </p:nvPr>
+        </p:nvSpPr>
+        <p:spPr/>
+        <p:txBody>
+          <a:bodyPr/>
+          <a:lstStyle/>
+          <a:p>
+            <a:r>
+              <a:rPr lang="en-US" dirty="0" smtClean="0"/>
+              <a:t>Case Study: 1 dyad as dynamic system</a:t>
+            </a:r>
+          </a:p>
+          <a:p>
+            <a:endParaRPr lang="en-US" sz="800" dirty="0" smtClean="0"/>
+          </a:p>
+          <a:p>
+            <a:r>
+              <a:rPr lang="en-US" dirty="0" smtClean="0"/>
+              <a:t>Coupled LDE model (</a:t>
+            </a:r>
+            <a:r>
+              <a:rPr lang="en-US" dirty="0" err="1" smtClean="0"/>
+              <a:t>Boker</a:t>
+            </a:r>
+            <a:r>
+              <a:rPr lang="en-US" dirty="0" smtClean="0"/>
+              <a:t> &amp; Laurenceau, 2005)</a:t>
+            </a:r>
+          </a:p>
+          <a:p>
+            <a:endParaRPr lang="en-US" sz="800" dirty="0" smtClean="0"/>
+          </a:p>
+          <a:p>
+            <a:pPr lvl="1"/>
+            <a:r>
+              <a:rPr lang="en-US" dirty="0" smtClean="0"/>
+              <a:t>Time Delay Embedding = </a:t>
+            </a:r>
+            <a:r>
+              <a:rPr lang="en-US" dirty="0" smtClean="0"/>
+              <a:t>4</a:t>
+            </a:r>
+          </a:p>
+          <a:p>
+            <a:r>
+              <a:rPr lang="en-US" dirty="0" smtClean="0"/>
+              <a:t>Software: </a:t>
+            </a:r>
+            <a:r>
+              <a:rPr lang="en-US" dirty="0" err="1" smtClean="0"/>
+              <a:t>Mx</a:t>
+            </a:r>
+            <a:r>
+              <a:rPr lang="en-US" dirty="0" smtClean="0"/>
+              <a:t>, via </a:t>
+            </a:r>
+            <a:r>
+              <a:rPr lang="en-US" dirty="0" err="1" smtClean="0"/>
+              <a:t>OpenMx</a:t>
+            </a:r>
+            <a:r>
+              <a:rPr lang="en-US" dirty="0" smtClean="0"/>
+              <a:t> package in FR</a:t>
+            </a:r>
+            <a:endParaRPr lang="en-US" dirty="0" smtClean="0"/>
+          </a:p>
+        </p:txBody>
+      </p:sp>
+      <p:sp>
+        <p:nvSpPr>
+          <p:cNvPr id="4" name="Slide Number Placeholder 3"/>
+          <p:cNvSpPr>
+            <a:spLocks noGrp="1"/>
+          </p:cNvSpPr>
+          <p:nvPr>
+            <p:ph type="sldNum" sz="quarter" idx="12"/>
+          </p:nvPr>
+        </p:nvSpPr>
+        <p:spPr/>
+        <p:txBody>
+          <a:bodyPr/>
+          <a:lstStyle/>
+          <a:p>
+            <a:fld id="{930465AD-53DA-D841-AEBD-0BDBF8BCBA90}" type="slidenum">
+              <a:rPr lang="en-US" smtClean="0"/>
+              <a:t>22</a:t>
+            </a:fld>
+            <a:endParaRPr lang="en-US"/>
+          </a:p>
+        </p:txBody>
+      </p:sp>
+    </p:spTree>
+    <p:extLst>
+      <p:ext uri="{BB962C8B-B14F-4D97-AF65-F5344CB8AC3E}">
+        <p14:creationId xmlns:p14="http://schemas.microsoft.com/office/powerpoint/2010/main" val="3242271376"/>
+      </p:ext>
+    </p:extLst>
+  </p:cSld>
+  <p:clrMapOvr>
+    <a:masterClrMapping/>
+  </p:clrMapOvr>
+  <mc:AlternateContent xmlns:mc="http://schemas.openxmlformats.org/markup-compatibility/2006" xmlns:p14="http://schemas.microsoft.com/office/powerpoint/2010/main">
+    <mc:Choice Requires="p14">
+      <p:transition spd="slow" p14:dur="2000"/>
+    </mc:Choice>
+    <mc:Fallback xmlns="">
+      <p:transition xmlns:p14="http://schemas.microsoft.com/office/powerpoint/2010/main" spd="slow"/>
+    </mc:Fallback>
+  </mc:AlternateContent>
   <p:timing>
     <p:tnLst>
       <p:par>
@@ -8537,7 +8705,7 @@
       </p:grpSpPr>
       <p:sp>
         <p:nvSpPr>
-          <p:cNvPr id="3" name="Slide Number Placeholder 2"/>
+          <p:cNvPr id="2" name="Slide Number Placeholder 1"/>
           <p:cNvSpPr>
             <a:spLocks noGrp="1"/>
           </p:cNvSpPr>
@@ -8558,178 +8726,64 @@
           </a:p>
         </p:txBody>
       </p:sp>
-      <p:grpSp>
-        <p:nvGrpSpPr>
-          <p:cNvPr id="7" name="Group 6"/>
-          <p:cNvGrpSpPr/>
+      <p:pic>
+        <p:nvPicPr>
+          <p:cNvPr id="7170" name="Picture 2"/>
+          <p:cNvPicPr>
+            <a:picLocks noChangeAspect="1" noChangeArrowheads="1"/>
+          </p:cNvPicPr>
           <p:nvPr/>
-        </p:nvGrpSpPr>
-        <p:grpSpPr>
-          <a:xfrm>
-            <a:off x="2833688" y="252411"/>
-            <a:ext cx="5457825" cy="6581775"/>
-            <a:chOff x="1843088" y="138113"/>
-            <a:chExt cx="5457825" cy="6581775"/>
-          </a:xfrm>
-        </p:grpSpPr>
-        <p:pic>
-          <p:nvPicPr>
-            <p:cNvPr id="7170" name="Picture 2"/>
-            <p:cNvPicPr>
-              <a:picLocks noChangeAspect="1" noChangeArrowheads="1"/>
-            </p:cNvPicPr>
-            <p:nvPr/>
-          </p:nvPicPr>
-          <p:blipFill>
-            <a:blip r:embed="rId2">
-              <a:extLst>
-                <a:ext uri="{28A0092B-C50C-407E-A947-70E740481C1C}">
-                  <a14:useLocalDpi xmlns:a14="http://schemas.microsoft.com/office/drawing/2010/main" val="0"/>
-                </a:ext>
-              </a:extLst>
-            </a:blip>
-            <a:srcRect/>
-            <a:stretch>
-              <a:fillRect/>
-            </a:stretch>
-          </p:blipFill>
-          <p:spPr bwMode="auto">
-            <a:xfrm>
-              <a:off x="1843088" y="138113"/>
-              <a:ext cx="5457825" cy="6581775"/>
-            </a:xfrm>
-            <a:prstGeom prst="rect">
-              <a:avLst/>
-            </a:prstGeom>
-            <a:noFill/>
-            <a:ln>
-              <a:noFill/>
-            </a:ln>
+        </p:nvPicPr>
+        <p:blipFill>
+          <a:blip r:embed="rId2">
             <a:extLst>
-              <a:ext uri="{909E8E84-426E-40DD-AFC4-6F175D3DCCD1}">
-                <a14:hiddenFill xmlns:a14="http://schemas.microsoft.com/office/drawing/2010/main">
-                  <a:solidFill>
-                    <a:schemeClr val="accent1"/>
-                  </a:solidFill>
-                </a14:hiddenFill>
-              </a:ext>
-              <a:ext uri="{91240B29-F687-4F45-9708-019B960494DF}">
-                <a14:hiddenLine xmlns:a14="http://schemas.microsoft.com/office/drawing/2010/main" w="9525">
-                  <a:solidFill>
-                    <a:schemeClr val="tx1"/>
-                  </a:solidFill>
-                  <a:miter lim="800000"/>
-                  <a:headEnd/>
-                  <a:tailEnd/>
-                </a14:hiddenLine>
+              <a:ext uri="{28A0092B-C50C-407E-A947-70E740481C1C}">
+                <a14:useLocalDpi xmlns:a14="http://schemas.microsoft.com/office/drawing/2010/main" val="0"/>
               </a:ext>
             </a:extLst>
-          </p:spPr>
-        </p:pic>
-        <p:cxnSp>
-          <p:nvCxnSpPr>
-            <p:cNvPr id="5" name="Straight Arrow Connector 4"/>
-            <p:cNvCxnSpPr/>
-            <p:nvPr/>
-          </p:nvCxnSpPr>
-          <p:spPr>
-            <a:xfrm flipH="1" flipV="1">
-              <a:off x="3263900" y="3314700"/>
-              <a:ext cx="1095284" cy="1414460"/>
-            </a:xfrm>
-            <a:prstGeom prst="straightConnector1">
-              <a:avLst/>
-            </a:prstGeom>
-            <a:ln>
-              <a:tailEnd type="arrow"/>
-            </a:ln>
-          </p:spPr>
-          <p:style>
-            <a:lnRef idx="2">
-              <a:schemeClr val="dk1"/>
-            </a:lnRef>
-            <a:fillRef idx="0">
-              <a:schemeClr val="dk1"/>
-            </a:fillRef>
-            <a:effectRef idx="1">
-              <a:schemeClr val="dk1"/>
-            </a:effectRef>
-            <a:fontRef idx="minor">
-              <a:schemeClr val="tx1"/>
-            </a:fontRef>
-          </p:style>
-        </p:cxnSp>
-        <p:sp>
-          <p:nvSpPr>
-            <p:cNvPr id="6" name="TextBox 5"/>
-            <p:cNvSpPr txBox="1"/>
-            <p:nvPr/>
-          </p:nvSpPr>
-          <p:spPr>
-            <a:xfrm>
-              <a:off x="3041614" y="4702700"/>
-              <a:ext cx="3048000" cy="369332"/>
-            </a:xfrm>
-            <a:prstGeom prst="rect">
-              <a:avLst/>
-            </a:prstGeom>
+          </a:blip>
+          <a:srcRect/>
+          <a:stretch>
+            <a:fillRect/>
+          </a:stretch>
+        </p:blipFill>
+        <p:spPr bwMode="auto">
+          <a:xfrm>
+            <a:off x="195263" y="524229"/>
+            <a:ext cx="8753475" cy="5591175"/>
+          </a:xfrm>
+          <a:prstGeom prst="rect">
+            <a:avLst/>
+          </a:prstGeom>
+          <a:noFill/>
+          <a:ln>
             <a:noFill/>
-          </p:spPr>
-          <p:txBody>
-            <a:bodyPr wrap="square" rtlCol="0">
-              <a:spAutoFit/>
-            </a:bodyPr>
-            <a:lstStyle/>
-            <a:p>
-              <a:r>
-                <a:rPr lang="en-US" dirty="0" smtClean="0">
-                  <a:latin typeface="Helvetica"/>
-                  <a:cs typeface="Helvetica"/>
-                </a:rPr>
-                <a:t>Equilibrium = Baseline RSA</a:t>
-              </a:r>
-              <a:endParaRPr lang="en-US" dirty="0">
-                <a:latin typeface="Helvetica"/>
-                <a:cs typeface="Helvetica"/>
-              </a:endParaRPr>
-            </a:p>
-          </p:txBody>
-        </p:sp>
-      </p:grpSp>
-      <p:sp>
-        <p:nvSpPr>
-          <p:cNvPr id="9" name="Title 2"/>
-          <p:cNvSpPr>
-            <a:spLocks noGrp="1"/>
-          </p:cNvSpPr>
-          <p:nvPr>
-            <p:ph type="title"/>
-          </p:nvPr>
-        </p:nvSpPr>
-        <p:spPr>
-          <a:xfrm>
-            <a:off x="290606" y="215900"/>
-            <a:ext cx="2543082" cy="835026"/>
-          </a:xfrm>
+          </a:ln>
+          <a:extLst>
+            <a:ext uri="{909E8E84-426E-40DD-AFC4-6F175D3DCCD1}">
+              <a14:hiddenFill xmlns:a14="http://schemas.microsoft.com/office/drawing/2010/main">
+                <a:solidFill>
+                  <a:schemeClr val="accent1"/>
+                </a:solidFill>
+              </a14:hiddenFill>
+            </a:ext>
+            <a:ext uri="{91240B29-F687-4F45-9708-019B960494DF}">
+              <a14:hiddenLine xmlns:a14="http://schemas.microsoft.com/office/drawing/2010/main" w="9525">
+                <a:solidFill>
+                  <a:schemeClr val="tx1"/>
+                </a:solidFill>
+                <a:miter lim="800000"/>
+                <a:headEnd/>
+                <a:tailEnd/>
+              </a14:hiddenLine>
+            </a:ext>
+          </a:extLst>
         </p:spPr>
-        <p:txBody>
-          <a:bodyPr>
-            <a:normAutofit/>
-          </a:bodyPr>
-          <a:lstStyle/>
-          <a:p>
-            <a:r>
-              <a:rPr lang="en-US" sz="3600" dirty="0" smtClean="0"/>
-              <a:t>Dyad 168</a:t>
-            </a:r>
-            <a:endParaRPr lang="en-US" sz="3600" dirty="0"/>
-          </a:p>
-        </p:txBody>
-      </p:sp>
+      </p:pic>
     </p:spTree>
     <p:extLst>
       <p:ext uri="{BB962C8B-B14F-4D97-AF65-F5344CB8AC3E}">
-        <p14:creationId xmlns:p14="http://schemas.microsoft.com/office/powerpoint/2010/main" val="1062077804"/>
+        <p14:creationId xmlns:p14="http://schemas.microsoft.com/office/powerpoint/2010/main" val="3952078098"/>
       </p:ext>
     </p:extLst>
   </p:cSld>
@@ -8765,87 +8819,7 @@
       </p:grpSpPr>
       <p:sp>
         <p:nvSpPr>
-          <p:cNvPr id="2" name="Title 1"/>
-          <p:cNvSpPr>
-            <a:spLocks noGrp="1"/>
-          </p:cNvSpPr>
-          <p:nvPr>
-            <p:ph type="title"/>
-          </p:nvPr>
-        </p:nvSpPr>
-        <p:spPr/>
-        <p:txBody>
-          <a:bodyPr/>
-          <a:lstStyle/>
-          <a:p>
-            <a:r>
-              <a:rPr lang="en-US" dirty="0" smtClean="0"/>
-              <a:t>Analysis Strategy</a:t>
-            </a:r>
-            <a:endParaRPr lang="en-US" dirty="0"/>
-          </a:p>
-        </p:txBody>
-      </p:sp>
-      <p:sp>
-        <p:nvSpPr>
-          <p:cNvPr id="3" name="Content Placeholder 2"/>
-          <p:cNvSpPr>
-            <a:spLocks noGrp="1"/>
-          </p:cNvSpPr>
-          <p:nvPr>
-            <p:ph idx="1"/>
-          </p:nvPr>
-        </p:nvSpPr>
-        <p:spPr/>
-        <p:txBody>
-          <a:bodyPr/>
-          <a:lstStyle/>
-          <a:p>
-            <a:r>
-              <a:rPr lang="en-US" dirty="0" smtClean="0"/>
-              <a:t>Case Study: 1 dyad as dynamic </a:t>
-            </a:r>
-            <a:r>
-              <a:rPr lang="en-US" dirty="0" smtClean="0"/>
-              <a:t>system</a:t>
-            </a:r>
-          </a:p>
-          <a:p>
-            <a:endParaRPr lang="en-US" sz="800" dirty="0" smtClean="0"/>
-          </a:p>
-          <a:p>
-            <a:r>
-              <a:rPr lang="en-US" dirty="0" smtClean="0"/>
-              <a:t>Coupled LDE model (</a:t>
-            </a:r>
-            <a:r>
-              <a:rPr lang="en-US" dirty="0" err="1" smtClean="0"/>
-              <a:t>Boker</a:t>
-            </a:r>
-            <a:r>
-              <a:rPr lang="en-US" dirty="0" smtClean="0"/>
-              <a:t> &amp; Laurenceau, 2005</a:t>
-            </a:r>
-            <a:r>
-              <a:rPr lang="en-US" dirty="0" smtClean="0"/>
-              <a:t>)</a:t>
-            </a:r>
-          </a:p>
-          <a:p>
-            <a:endParaRPr lang="en-US" sz="800" dirty="0" smtClean="0"/>
-          </a:p>
-          <a:p>
-            <a:pPr lvl="1"/>
-            <a:r>
-              <a:rPr lang="en-US" dirty="0" smtClean="0"/>
-              <a:t>Time Delay Embedding = 4</a:t>
-            </a:r>
-          </a:p>
-        </p:txBody>
-      </p:sp>
-      <p:sp>
-        <p:nvSpPr>
-          <p:cNvPr id="4" name="Slide Number Placeholder 3"/>
+          <p:cNvPr id="2" name="Slide Number Placeholder 1"/>
           <p:cNvSpPr>
             <a:spLocks noGrp="1"/>
           </p:cNvSpPr>
@@ -8866,24 +8840,111 @@
           </a:p>
         </p:txBody>
       </p:sp>
+      <p:pic>
+        <p:nvPicPr>
+          <p:cNvPr id="7170" name="Picture 2"/>
+          <p:cNvPicPr>
+            <a:picLocks noChangeAspect="1" noChangeArrowheads="1"/>
+          </p:cNvPicPr>
+          <p:nvPr/>
+        </p:nvPicPr>
+        <p:blipFill>
+          <a:blip r:embed="rId2">
+            <a:extLst>
+              <a:ext uri="{28A0092B-C50C-407E-A947-70E740481C1C}">
+                <a14:useLocalDpi xmlns:a14="http://schemas.microsoft.com/office/drawing/2010/main" val="0"/>
+              </a:ext>
+            </a:extLst>
+          </a:blip>
+          <a:srcRect/>
+          <a:stretch>
+            <a:fillRect/>
+          </a:stretch>
+        </p:blipFill>
+        <p:spPr bwMode="auto">
+          <a:xfrm>
+            <a:off x="3238500" y="1596220"/>
+            <a:ext cx="2667000" cy="4648200"/>
+          </a:xfrm>
+          <a:prstGeom prst="rect">
+            <a:avLst/>
+          </a:prstGeom>
+          <a:noFill/>
+          <a:ln w="9525">
+            <a:solidFill>
+              <a:schemeClr val="tx1"/>
+            </a:solidFill>
+            <a:miter lim="800000"/>
+            <a:headEnd/>
+            <a:tailEnd/>
+          </a:ln>
+          <a:extLst>
+            <a:ext uri="{909E8E84-426E-40DD-AFC4-6F175D3DCCD1}">
+              <a14:hiddenFill xmlns:a14="http://schemas.microsoft.com/office/drawing/2010/main">
+                <a:solidFill>
+                  <a:schemeClr val="accent1"/>
+                </a:solidFill>
+              </a14:hiddenFill>
+            </a:ext>
+          </a:extLst>
+        </p:spPr>
+      </p:pic>
+      <p:sp>
+        <p:nvSpPr>
+          <p:cNvPr id="4" name="Title 1"/>
+          <p:cNvSpPr txBox="1">
+            <a:spLocks/>
+          </p:cNvSpPr>
+          <p:nvPr/>
+        </p:nvSpPr>
+        <p:spPr>
+          <a:xfrm>
+            <a:off x="457200" y="274638"/>
+            <a:ext cx="8547100" cy="703262"/>
+          </a:xfrm>
+          <a:prstGeom prst="rect">
+            <a:avLst/>
+          </a:prstGeom>
+        </p:spPr>
+        <p:txBody>
+          <a:bodyPr>
+            <a:normAutofit fontScale="97500" lnSpcReduction="10000"/>
+          </a:bodyPr>
+          <a:lstStyle>
+            <a:lvl1pPr algn="ctr" defTabSz="457200" rtl="0" eaLnBrk="1" latinLnBrk="0" hangingPunct="1">
+              <a:spcBef>
+                <a:spcPct val="0"/>
+              </a:spcBef>
+              <a:buNone/>
+              <a:defRPr sz="4400" kern="1200">
+                <a:solidFill>
+                  <a:schemeClr val="tx1"/>
+                </a:solidFill>
+                <a:latin typeface="Helvetica"/>
+                <a:ea typeface="+mj-ea"/>
+                <a:cs typeface="Helvetica"/>
+              </a:defRPr>
+            </a:lvl1pPr>
+          </a:lstStyle>
+          <a:p>
+            <a:r>
+              <a:rPr lang="en-US" dirty="0" smtClean="0"/>
+              <a:t>Structural Model</a:t>
+            </a:r>
+            <a:endParaRPr lang="en-US" dirty="0"/>
+          </a:p>
+        </p:txBody>
+      </p:sp>
     </p:spTree>
     <p:extLst>
       <p:ext uri="{BB962C8B-B14F-4D97-AF65-F5344CB8AC3E}">
-        <p14:creationId xmlns:p14="http://schemas.microsoft.com/office/powerpoint/2010/main" val="3242271376"/>
+        <p14:creationId xmlns:p14="http://schemas.microsoft.com/office/powerpoint/2010/main" val="3561849560"/>
       </p:ext>
     </p:extLst>
   </p:cSld>
   <p:clrMapOvr>
     <a:masterClrMapping/>
   </p:clrMapOvr>
-  <mc:AlternateContent xmlns:mc="http://schemas.openxmlformats.org/markup-compatibility/2006" xmlns:p14="http://schemas.microsoft.com/office/powerpoint/2010/main">
-    <mc:Choice Requires="p14">
-      <p:transition spd="slow" p14:dur="2000"/>
-    </mc:Choice>
-    <mc:Fallback xmlns="">
-      <p:transition xmlns:p14="http://schemas.microsoft.com/office/powerpoint/2010/main" spd="slow"/>
-    </mc:Fallback>
-  </mc:AlternateContent>
   <p:timing>
     <p:tnLst>
       <p:par>
@@ -8924,16 +8985,26 @@
         <p:spPr>
           <a:xfrm>
             <a:off x="457200" y="274638"/>
-            <a:ext cx="8229600" cy="842962"/>
+            <a:ext cx="8547100" cy="703262"/>
           </a:xfrm>
         </p:spPr>
         <p:txBody>
-          <a:bodyPr/>
+          <a:bodyPr>
+            <a:normAutofit fontScale="90000"/>
+          </a:bodyPr>
           <a:lstStyle/>
           <a:p>
             <a:r>
               <a:rPr lang="en-US" dirty="0" smtClean="0"/>
-              <a:t>Results</a:t>
+              <a:t>Proportional Effects </a:t>
+            </a:r>
+            <a:r>
+              <a:rPr lang="en-US" dirty="0" smtClean="0"/>
+              <a:t>Structural </a:t>
+            </a:r>
+            <a:r>
+              <a:rPr lang="en-US" dirty="0" smtClean="0"/>
+              <a:t>Model</a:t>
             </a:r>
             <a:endParaRPr lang="en-US" dirty="0"/>
           </a:p>
@@ -8957,6 +9028,257 @@
             <a:fld id="{930465AD-53DA-D841-AEBD-0BDBF8BCBA90}" type="slidenum">
               <a:rPr lang="en-US" smtClean="0"/>
               <a:t>25</a:t>
+            </a:fld>
+            <a:endParaRPr lang="en-US"/>
+          </a:p>
+        </p:txBody>
+      </p:sp>
+      <p:pic>
+        <p:nvPicPr>
+          <p:cNvPr id="8195" name="Picture 3"/>
+          <p:cNvPicPr>
+            <a:picLocks noChangeAspect="1" noChangeArrowheads="1"/>
+          </p:cNvPicPr>
+          <p:nvPr/>
+        </p:nvPicPr>
+        <p:blipFill>
+          <a:blip r:embed="rId2">
+            <a:extLst>
+              <a:ext uri="{28A0092B-C50C-407E-A947-70E740481C1C}">
+                <a14:useLocalDpi xmlns:a14="http://schemas.microsoft.com/office/drawing/2010/main" val="0"/>
+              </a:ext>
+            </a:extLst>
+          </a:blip>
+          <a:srcRect/>
+          <a:stretch>
+            <a:fillRect/>
+          </a:stretch>
+        </p:blipFill>
+        <p:spPr bwMode="auto">
+          <a:xfrm>
+            <a:off x="2263775" y="1419225"/>
+            <a:ext cx="4133850" cy="5114925"/>
+          </a:xfrm>
+          <a:prstGeom prst="rect">
+            <a:avLst/>
+          </a:prstGeom>
+          <a:noFill/>
+          <a:ln w="9525">
+            <a:solidFill>
+              <a:schemeClr val="tx1"/>
+            </a:solidFill>
+            <a:miter lim="800000"/>
+            <a:headEnd/>
+            <a:tailEnd/>
+          </a:ln>
+          <a:extLst>
+            <a:ext uri="{909E8E84-426E-40DD-AFC4-6F175D3DCCD1}">
+              <a14:hiddenFill xmlns:a14="http://schemas.microsoft.com/office/drawing/2010/main">
+                <a:solidFill>
+                  <a:schemeClr val="accent1"/>
+                </a:solidFill>
+              </a14:hiddenFill>
+            </a:ext>
+          </a:extLst>
+        </p:spPr>
+      </p:pic>
+    </p:spTree>
+    <p:extLst>
+      <p:ext uri="{BB962C8B-B14F-4D97-AF65-F5344CB8AC3E}">
+        <p14:creationId xmlns:p14="http://schemas.microsoft.com/office/powerpoint/2010/main" val="2063050956"/>
+      </p:ext>
+    </p:extLst>
+  </p:cSld>
+  <p:clrMapOvr>
+    <a:masterClrMapping/>
+  </p:clrMapOvr>
+  <p:timing>
+    <p:tnLst>
+      <p:par>
+        <p:cTn id="1" dur="indefinite" restart="never" nodeType="tmRoot"/>
+      </p:par>
+    </p:tnLst>
+  </p:timing>
+</p:sld>
+</file>
+
+<file path=ppt/slides/slide26.xml><?xml version="1.0" encoding="utf-8"?>
+<p:sld xmlns:a="http://schemas.openxmlformats.org/drawingml/2006/main" xmlns:r="http://schemas.openxmlformats.org/officeDocument/2006/relationships" xmlns:p="http://schemas.openxmlformats.org/presentationml/2006/main">
+  <p:cSld>
+    <p:spTree>
+      <p:nvGrpSpPr>
+        <p:cNvPr id="1" name=""/>
+        <p:cNvGrpSpPr/>
+        <p:nvPr/>
+      </p:nvGrpSpPr>
+      <p:grpSpPr>
+        <a:xfrm>
+          <a:off x="0" y="0"/>
+          <a:ext cx="0" cy="0"/>
+          <a:chOff x="0" y="0"/>
+          <a:chExt cx="0" cy="0"/>
+        </a:xfrm>
+      </p:grpSpPr>
+      <p:sp>
+        <p:nvSpPr>
+          <p:cNvPr id="4" name="Slide Number Placeholder 3"/>
+          <p:cNvSpPr>
+            <a:spLocks noGrp="1"/>
+          </p:cNvSpPr>
+          <p:nvPr>
+            <p:ph type="sldNum" sz="quarter" idx="12"/>
+          </p:nvPr>
+        </p:nvSpPr>
+        <p:spPr/>
+        <p:txBody>
+          <a:bodyPr/>
+          <a:lstStyle/>
+          <a:p>
+            <a:fld id="{930465AD-53DA-D841-AEBD-0BDBF8BCBA90}" type="slidenum">
+              <a:rPr lang="en-US" smtClean="0"/>
+              <a:t>26</a:t>
+            </a:fld>
+            <a:endParaRPr lang="en-US"/>
+          </a:p>
+        </p:txBody>
+      </p:sp>
+      <p:pic>
+        <p:nvPicPr>
+          <p:cNvPr id="1026" name="Picture 2"/>
+          <p:cNvPicPr>
+            <a:picLocks noChangeAspect="1" noChangeArrowheads="1"/>
+          </p:cNvPicPr>
+          <p:nvPr/>
+        </p:nvPicPr>
+        <p:blipFill>
+          <a:blip r:embed="rId2">
+            <a:extLst>
+              <a:ext uri="{28A0092B-C50C-407E-A947-70E740481C1C}">
+                <a14:useLocalDpi xmlns:a14="http://schemas.microsoft.com/office/drawing/2010/main" val="0"/>
+              </a:ext>
+            </a:extLst>
+          </a:blip>
+          <a:srcRect/>
+          <a:stretch>
+            <a:fillRect/>
+          </a:stretch>
+        </p:blipFill>
+        <p:spPr bwMode="auto">
+          <a:xfrm>
+            <a:off x="111125" y="823913"/>
+            <a:ext cx="8972550" cy="5210175"/>
+          </a:xfrm>
+          <a:prstGeom prst="rect">
+            <a:avLst/>
+          </a:prstGeom>
+          <a:noFill/>
+          <a:ln>
+            <a:noFill/>
+          </a:ln>
+          <a:extLst>
+            <a:ext uri="{909E8E84-426E-40DD-AFC4-6F175D3DCCD1}">
+              <a14:hiddenFill xmlns:a14="http://schemas.microsoft.com/office/drawing/2010/main">
+                <a:solidFill>
+                  <a:schemeClr val="accent1"/>
+                </a:solidFill>
+              </a14:hiddenFill>
+            </a:ext>
+            <a:ext uri="{91240B29-F687-4F45-9708-019B960494DF}">
+              <a14:hiddenLine xmlns:a14="http://schemas.microsoft.com/office/drawing/2010/main" w="9525">
+                <a:solidFill>
+                  <a:schemeClr val="tx1"/>
+                </a:solidFill>
+                <a:miter lim="800000"/>
+                <a:headEnd/>
+                <a:tailEnd/>
+              </a14:hiddenLine>
+            </a:ext>
+          </a:extLst>
+        </p:spPr>
+      </p:pic>
+    </p:spTree>
+    <p:extLst>
+      <p:ext uri="{BB962C8B-B14F-4D97-AF65-F5344CB8AC3E}">
+        <p14:creationId xmlns:p14="http://schemas.microsoft.com/office/powerpoint/2010/main" val="2416588458"/>
+      </p:ext>
+    </p:extLst>
+  </p:cSld>
+  <p:clrMapOvr>
+    <a:masterClrMapping/>
+  </p:clrMapOvr>
+  <p:timing>
+    <p:tnLst>
+      <p:par>
+        <p:cTn id="1" dur="indefinite" restart="never" nodeType="tmRoot"/>
+      </p:par>
+    </p:tnLst>
+  </p:timing>
+</p:sld>
+</file>
+
+<file path=ppt/slides/slide27.xml><?xml version="1.0" encoding="utf-8"?>
+<p:sld xmlns:a="http://schemas.openxmlformats.org/drawingml/2006/main" xmlns:r="http://schemas.openxmlformats.org/officeDocument/2006/relationships" xmlns:p="http://schemas.openxmlformats.org/presentationml/2006/main">
+  <p:cSld>
+    <p:spTree>
+      <p:nvGrpSpPr>
+        <p:cNvPr id="1" name=""/>
+        <p:cNvGrpSpPr/>
+        <p:nvPr/>
+      </p:nvGrpSpPr>
+      <p:grpSpPr>
+        <a:xfrm>
+          <a:off x="0" y="0"/>
+          <a:ext cx="0" cy="0"/>
+          <a:chOff x="0" y="0"/>
+          <a:chExt cx="0" cy="0"/>
+        </a:xfrm>
+      </p:grpSpPr>
+      <p:sp>
+        <p:nvSpPr>
+          <p:cNvPr id="2" name="Title 1"/>
+          <p:cNvSpPr>
+            <a:spLocks noGrp="1"/>
+          </p:cNvSpPr>
+          <p:nvPr>
+            <p:ph type="title"/>
+          </p:nvPr>
+        </p:nvSpPr>
+        <p:spPr>
+          <a:xfrm>
+            <a:off x="457200" y="274638"/>
+            <a:ext cx="8229600" cy="842962"/>
+          </a:xfrm>
+        </p:spPr>
+        <p:txBody>
+          <a:bodyPr/>
+          <a:lstStyle/>
+          <a:p>
+            <a:r>
+              <a:rPr lang="en-US" dirty="0" smtClean="0"/>
+              <a:t>Results</a:t>
+            </a:r>
+            <a:endParaRPr lang="en-US" dirty="0"/>
+          </a:p>
+        </p:txBody>
+      </p:sp>
+      <p:sp>
+        <p:nvSpPr>
+          <p:cNvPr id="3" name="Slide Number Placeholder 2"/>
+          <p:cNvSpPr>
+            <a:spLocks noGrp="1"/>
+          </p:cNvSpPr>
+          <p:nvPr>
+            <p:ph type="sldNum" sz="quarter" idx="12"/>
+          </p:nvPr>
+        </p:nvSpPr>
+        <p:spPr/>
+        <p:txBody>
+          <a:bodyPr/>
+          <a:lstStyle/>
+          <a:p>
+            <a:fld id="{930465AD-53DA-D841-AEBD-0BDBF8BCBA90}" type="slidenum">
+              <a:rPr lang="en-US" smtClean="0"/>
+              <a:t>27</a:t>
             </a:fld>
             <a:endParaRPr lang="en-US"/>
           </a:p>
@@ -9796,14 +10118,7 @@
                 <a:latin typeface="Helvetica"/>
                 <a:cs typeface="Helvetica"/>
               </a:rPr>
-              <a:t>Standard </a:t>
-            </a:r>
-            <a:r>
-              <a:rPr lang="en-US" sz="1600" dirty="0" smtClean="0">
-                <a:latin typeface="Helvetica"/>
-                <a:cs typeface="Helvetica"/>
-              </a:rPr>
-              <a:t>Errors are in parentheses</a:t>
+              <a:t>Standard Errors are in parentheses</a:t>
             </a:r>
             <a:endParaRPr lang="en-US" sz="1600" dirty="0">
               <a:latin typeface="Helvetica"/>
@@ -10054,7 +10369,7 @@
 </p:sld>
 </file>
 
-<file path=ppt/slides/slide26.xml><?xml version="1.0" encoding="utf-8"?>
+<file path=ppt/slides/slide28.xml><?xml version="1.0" encoding="utf-8"?>
 <p:sld xmlns:a="http://schemas.openxmlformats.org/drawingml/2006/main" xmlns:r="http://schemas.openxmlformats.org/officeDocument/2006/relationships" xmlns:p="http://schemas.openxmlformats.org/presentationml/2006/main">
   <p:cSld>
     <p:spTree>
@@ -10111,7 +10426,7 @@
           <a:p>
             <a:fld id="{930465AD-53DA-D841-AEBD-0BDBF8BCBA90}" type="slidenum">
               <a:rPr lang="en-US" smtClean="0"/>
-              <a:t>26</a:t>
+              <a:t>28</a:t>
             </a:fld>
             <a:endParaRPr lang="en-US"/>
           </a:p>
@@ -10655,7 +10970,7 @@
 </p:sld>
 </file>
 
-<file path=ppt/slides/slide27.xml><?xml version="1.0" encoding="utf-8"?>
+<file path=ppt/slides/slide29.xml><?xml version="1.0" encoding="utf-8"?>
 <p:sld xmlns:a="http://schemas.openxmlformats.org/drawingml/2006/main" xmlns:r="http://schemas.openxmlformats.org/officeDocument/2006/relationships" xmlns:p="http://schemas.openxmlformats.org/presentationml/2006/main">
   <p:cSld>
     <p:spTree>
@@ -10685,150 +11000,6 @@
         <p:spPr>
           <a:xfrm>
             <a:off x="457200" y="274638"/>
-            <a:ext cx="8229600" cy="703262"/>
-          </a:xfrm>
-        </p:spPr>
-        <p:txBody>
-          <a:bodyPr>
-            <a:normAutofit fontScale="90000"/>
-          </a:bodyPr>
-          <a:lstStyle/>
-          <a:p>
-            <a:r>
-              <a:rPr lang="en-US" dirty="0" smtClean="0"/>
-              <a:t>As SEM Structural Model</a:t>
-            </a:r>
-            <a:endParaRPr lang="en-US" dirty="0"/>
-          </a:p>
-        </p:txBody>
-      </p:sp>
-      <p:sp>
-        <p:nvSpPr>
-          <p:cNvPr id="3" name="Slide Number Placeholder 2"/>
-          <p:cNvSpPr>
-            <a:spLocks noGrp="1"/>
-          </p:cNvSpPr>
-          <p:nvPr>
-            <p:ph type="sldNum" sz="quarter" idx="12"/>
-          </p:nvPr>
-        </p:nvSpPr>
-        <p:spPr/>
-        <p:txBody>
-          <a:bodyPr/>
-          <a:lstStyle/>
-          <a:p>
-            <a:fld id="{930465AD-53DA-D841-AEBD-0BDBF8BCBA90}" type="slidenum">
-              <a:rPr lang="en-US" smtClean="0"/>
-              <a:t>27</a:t>
-            </a:fld>
-            <a:endParaRPr lang="en-US"/>
-          </a:p>
-        </p:txBody>
-      </p:sp>
-      <p:pic>
-        <p:nvPicPr>
-          <p:cNvPr id="8195" name="Picture 3"/>
-          <p:cNvPicPr>
-            <a:picLocks noChangeAspect="1" noChangeArrowheads="1"/>
-          </p:cNvPicPr>
-          <p:nvPr/>
-        </p:nvPicPr>
-        <p:blipFill>
-          <a:blip r:embed="rId2">
-            <a:extLst>
-              <a:ext uri="{28A0092B-C50C-407E-A947-70E740481C1C}">
-                <a14:useLocalDpi xmlns:a14="http://schemas.microsoft.com/office/drawing/2010/main" val="0"/>
-              </a:ext>
-            </a:extLst>
-          </a:blip>
-          <a:srcRect/>
-          <a:stretch>
-            <a:fillRect/>
-          </a:stretch>
-        </p:blipFill>
-        <p:spPr bwMode="auto">
-          <a:xfrm>
-            <a:off x="2263775" y="1419225"/>
-            <a:ext cx="4133850" cy="5114925"/>
-          </a:xfrm>
-          <a:prstGeom prst="rect">
-            <a:avLst/>
-          </a:prstGeom>
-          <a:noFill/>
-          <a:ln>
-            <a:noFill/>
-          </a:ln>
-          <a:extLst>
-            <a:ext uri="{909E8E84-426E-40DD-AFC4-6F175D3DCCD1}">
-              <a14:hiddenFill xmlns:a14="http://schemas.microsoft.com/office/drawing/2010/main">
-                <a:solidFill>
-                  <a:schemeClr val="accent1"/>
-                </a:solidFill>
-              </a14:hiddenFill>
-            </a:ext>
-            <a:ext uri="{91240B29-F687-4F45-9708-019B960494DF}">
-              <a14:hiddenLine xmlns:a14="http://schemas.microsoft.com/office/drawing/2010/main" w="9525">
-                <a:solidFill>
-                  <a:schemeClr val="tx1"/>
-                </a:solidFill>
-                <a:miter lim="800000"/>
-                <a:headEnd/>
-                <a:tailEnd/>
-              </a14:hiddenLine>
-            </a:ext>
-          </a:extLst>
-        </p:spPr>
-      </p:pic>
-    </p:spTree>
-    <p:extLst>
-      <p:ext uri="{BB962C8B-B14F-4D97-AF65-F5344CB8AC3E}">
-        <p14:creationId xmlns:p14="http://schemas.microsoft.com/office/powerpoint/2010/main" val="2063050956"/>
-      </p:ext>
-    </p:extLst>
-  </p:cSld>
-  <p:clrMapOvr>
-    <a:masterClrMapping/>
-  </p:clrMapOvr>
-  <p:timing>
-    <p:tnLst>
-      <p:par>
-        <p:cTn id="1" dur="indefinite" restart="never" nodeType="tmRoot"/>
-      </p:par>
-    </p:tnLst>
-  </p:timing>
-</p:sld>
-</file>
-
-<file path=ppt/slides/slide28.xml><?xml version="1.0" encoding="utf-8"?>
-<p:sld xmlns:a="http://schemas.openxmlformats.org/drawingml/2006/main" xmlns:r="http://schemas.openxmlformats.org/officeDocument/2006/relationships" xmlns:p="http://schemas.openxmlformats.org/presentationml/2006/main">
-  <p:cSld>
-    <p:spTree>
-      <p:nvGrpSpPr>
-        <p:cNvPr id="1" name=""/>
-        <p:cNvGrpSpPr/>
-        <p:nvPr/>
-      </p:nvGrpSpPr>
-      <p:grpSpPr>
-        <a:xfrm>
-          <a:off x="0" y="0"/>
-          <a:ext cx="0" cy="0"/>
-          <a:chOff x="0" y="0"/>
-          <a:chExt cx="0" cy="0"/>
-        </a:xfrm>
-      </p:grpSpPr>
-      <p:sp>
-        <p:nvSpPr>
-          <p:cNvPr id="2" name="Title 1"/>
-          <p:cNvSpPr>
-            <a:spLocks noGrp="1"/>
-          </p:cNvSpPr>
-          <p:nvPr>
-            <p:ph type="title"/>
-          </p:nvPr>
-        </p:nvSpPr>
-        <p:spPr>
-          <a:xfrm>
-            <a:off x="457200" y="274638"/>
             <a:ext cx="8229600" cy="842962"/>
           </a:xfrm>
         </p:spPr>
@@ -10883,7 +11054,6 @@
               <a:rPr lang="en-US" sz="800" dirty="0" smtClean="0"/>
               <a:t> </a:t>
             </a:r>
-            <a:endParaRPr lang="en-US" sz="800" dirty="0" smtClean="0"/>
           </a:p>
           <a:p>
             <a:r>
@@ -10920,7 +11090,7 @@
           <a:p>
             <a:fld id="{930465AD-53DA-D841-AEBD-0BDBF8BCBA90}" type="slidenum">
               <a:rPr lang="en-US" smtClean="0"/>
-              <a:t>28</a:t>
+              <a:t>29</a:t>
             </a:fld>
             <a:endParaRPr lang="en-US"/>
           </a:p>
@@ -11119,7 +11289,7 @@
 </p:sld>
 </file>
 
-<file path=ppt/slides/slide29.xml><?xml version="1.0" encoding="utf-8"?>
+<file path=ppt/slides/slide3.xml><?xml version="1.0" encoding="utf-8"?>
 <p:sld xmlns:a="http://schemas.openxmlformats.org/drawingml/2006/main" xmlns:r="http://schemas.openxmlformats.org/officeDocument/2006/relationships" xmlns:p="http://schemas.openxmlformats.org/presentationml/2006/main">
   <p:cSld>
     <p:spTree>
@@ -11138,6 +11308,319 @@
       </p:grpSpPr>
       <p:sp>
         <p:nvSpPr>
+          <p:cNvPr id="4098" name="Title 1"/>
+          <p:cNvSpPr>
+            <a:spLocks noGrp="1"/>
+          </p:cNvSpPr>
+          <p:nvPr>
+            <p:ph type="title"/>
+          </p:nvPr>
+        </p:nvSpPr>
+        <p:spPr>
+          <a:xfrm>
+            <a:off x="228600" y="274638"/>
+            <a:ext cx="8610600" cy="1143000"/>
+          </a:xfrm>
+        </p:spPr>
+        <p:txBody>
+          <a:bodyPr/>
+          <a:lstStyle/>
+          <a:p>
+            <a:pPr eaLnBrk="1" hangingPunct="1"/>
+            <a:r>
+              <a:rPr lang="en-US" altLang="en-US" smtClean="0"/>
+              <a:t>Adjustment to bereavement</a:t>
+            </a:r>
+          </a:p>
+        </p:txBody>
+      </p:sp>
+      <p:pic>
+        <p:nvPicPr>
+          <p:cNvPr id="4099" name="Picture 2"/>
+          <p:cNvPicPr>
+            <a:picLocks noGrp="1" noChangeAspect="1" noChangeArrowheads="1"/>
+          </p:cNvPicPr>
+          <p:nvPr>
+            <p:ph idx="1"/>
+          </p:nvPr>
+        </p:nvPicPr>
+        <p:blipFill>
+          <a:blip r:embed="rId2">
+            <a:extLst>
+              <a:ext uri="{28A0092B-C50C-407E-A947-70E740481C1C}">
+                <a14:useLocalDpi xmlns:a14="http://schemas.microsoft.com/office/drawing/2010/main" val="0"/>
+              </a:ext>
+            </a:extLst>
+          </a:blip>
+          <a:srcRect/>
+          <a:stretch>
+            <a:fillRect/>
+          </a:stretch>
+        </p:blipFill>
+        <p:spPr>
+          <a:xfrm>
+            <a:off x="457200" y="1863725"/>
+            <a:ext cx="8229600" cy="3241675"/>
+          </a:xfrm>
+          <a:noFill/>
+          <a:extLst>
+            <a:ext uri="{909E8E84-426E-40DD-AFC4-6F175D3DCCD1}">
+              <a14:hiddenFill xmlns:a14="http://schemas.microsoft.com/office/drawing/2010/main">
+                <a:solidFill>
+                  <a:schemeClr val="accent1"/>
+                </a:solidFill>
+              </a14:hiddenFill>
+            </a:ext>
+            <a:ext uri="{91240B29-F687-4F45-9708-019B960494DF}">
+              <a14:hiddenLine xmlns:a14="http://schemas.microsoft.com/office/drawing/2010/main" w="9525">
+                <a:solidFill>
+                  <a:schemeClr val="tx1"/>
+                </a:solidFill>
+                <a:miter lim="800000"/>
+                <a:headEnd/>
+                <a:tailEnd/>
+              </a14:hiddenLine>
+            </a:ext>
+          </a:extLst>
+        </p:spPr>
+      </p:pic>
+      <p:sp>
+        <p:nvSpPr>
+          <p:cNvPr id="4100" name="Rectangle 3"/>
+          <p:cNvSpPr>
+            <a:spLocks noChangeArrowheads="1"/>
+          </p:cNvSpPr>
+          <p:nvPr/>
+        </p:nvSpPr>
+        <p:spPr bwMode="auto">
+          <a:xfrm>
+            <a:off x="76200" y="5553075"/>
+            <a:ext cx="9067800" cy="923925"/>
+          </a:xfrm>
+          <a:prstGeom prst="rect">
+            <a:avLst/>
+          </a:prstGeom>
+          <a:noFill/>
+          <a:ln>
+            <a:noFill/>
+          </a:ln>
+          <a:extLst>
+            <a:ext uri="{909E8E84-426E-40DD-AFC4-6F175D3DCCD1}">
+              <a14:hiddenFill xmlns:a14="http://schemas.microsoft.com/office/drawing/2010/main">
+                <a:solidFill>
+                  <a:srgbClr val="FFFFFF"/>
+                </a:solidFill>
+              </a14:hiddenFill>
+            </a:ext>
+            <a:ext uri="{91240B29-F687-4F45-9708-019B960494DF}">
+              <a14:hiddenLine xmlns:a14="http://schemas.microsoft.com/office/drawing/2010/main" w="9525">
+                <a:solidFill>
+                  <a:srgbClr val="000000"/>
+                </a:solidFill>
+                <a:miter lim="800000"/>
+                <a:headEnd/>
+                <a:tailEnd/>
+              </a14:hiddenLine>
+            </a:ext>
+          </a:extLst>
+        </p:spPr>
+        <p:txBody>
+          <a:bodyPr>
+            <a:spAutoFit/>
+          </a:bodyPr>
+          <a:lstStyle>
+            <a:lvl1pPr eaLnBrk="0" hangingPunct="0">
+              <a:spcBef>
+                <a:spcPct val="20000"/>
+              </a:spcBef>
+              <a:buFont typeface="Arial" charset="0"/>
+              <a:buChar char="•"/>
+              <a:defRPr sz="3200">
+                <a:solidFill>
+                  <a:schemeClr val="tx1"/>
+                </a:solidFill>
+                <a:latin typeface="Calibri" pitchFamily="34" charset="0"/>
+              </a:defRPr>
+            </a:lvl1pPr>
+            <a:lvl2pPr marL="742950" indent="-285750" eaLnBrk="0" hangingPunct="0">
+              <a:spcBef>
+                <a:spcPct val="20000"/>
+              </a:spcBef>
+              <a:buFont typeface="Arial" charset="0"/>
+              <a:buChar char="–"/>
+              <a:defRPr sz="2800">
+                <a:solidFill>
+                  <a:schemeClr val="tx1"/>
+                </a:solidFill>
+                <a:latin typeface="Calibri" pitchFamily="34" charset="0"/>
+              </a:defRPr>
+            </a:lvl2pPr>
+            <a:lvl3pPr marL="1143000" indent="-228600" eaLnBrk="0" hangingPunct="0">
+              <a:spcBef>
+                <a:spcPct val="20000"/>
+              </a:spcBef>
+              <a:buFont typeface="Arial" charset="0"/>
+              <a:buChar char="•"/>
+              <a:defRPr sz="2400">
+                <a:solidFill>
+                  <a:schemeClr val="tx1"/>
+                </a:solidFill>
+                <a:latin typeface="Calibri" pitchFamily="34" charset="0"/>
+              </a:defRPr>
+            </a:lvl3pPr>
+            <a:lvl4pPr marL="1600200" indent="-228600" eaLnBrk="0" hangingPunct="0">
+              <a:spcBef>
+                <a:spcPct val="20000"/>
+              </a:spcBef>
+              <a:buFont typeface="Arial" charset="0"/>
+              <a:buChar char="–"/>
+              <a:defRPr sz="2000">
+                <a:solidFill>
+                  <a:schemeClr val="tx1"/>
+                </a:solidFill>
+                <a:latin typeface="Calibri" pitchFamily="34" charset="0"/>
+              </a:defRPr>
+            </a:lvl4pPr>
+            <a:lvl5pPr marL="2057400" indent="-228600" eaLnBrk="0" hangingPunct="0">
+              <a:spcBef>
+                <a:spcPct val="20000"/>
+              </a:spcBef>
+              <a:buFont typeface="Arial" charset="0"/>
+              <a:buChar char="»"/>
+              <a:defRPr sz="2000">
+                <a:solidFill>
+                  <a:schemeClr val="tx1"/>
+                </a:solidFill>
+                <a:latin typeface="Calibri" pitchFamily="34" charset="0"/>
+              </a:defRPr>
+            </a:lvl5pPr>
+            <a:lvl6pPr marL="2514600" indent="-228600" eaLnBrk="0" fontAlgn="base" hangingPunct="0">
+              <a:spcBef>
+                <a:spcPct val="20000"/>
+              </a:spcBef>
+              <a:spcAft>
+                <a:spcPct val="0"/>
+              </a:spcAft>
+              <a:buFont typeface="Arial" charset="0"/>
+              <a:buChar char="»"/>
+              <a:defRPr sz="2000">
+                <a:solidFill>
+                  <a:schemeClr val="tx1"/>
+                </a:solidFill>
+                <a:latin typeface="Calibri" pitchFamily="34" charset="0"/>
+              </a:defRPr>
+            </a:lvl6pPr>
+            <a:lvl7pPr marL="2971800" indent="-228600" eaLnBrk="0" fontAlgn="base" hangingPunct="0">
+              <a:spcBef>
+                <a:spcPct val="20000"/>
+              </a:spcBef>
+              <a:spcAft>
+                <a:spcPct val="0"/>
+              </a:spcAft>
+              <a:buFont typeface="Arial" charset="0"/>
+              <a:buChar char="»"/>
+              <a:defRPr sz="2000">
+                <a:solidFill>
+                  <a:schemeClr val="tx1"/>
+                </a:solidFill>
+                <a:latin typeface="Calibri" pitchFamily="34" charset="0"/>
+              </a:defRPr>
+            </a:lvl7pPr>
+            <a:lvl8pPr marL="3429000" indent="-228600" eaLnBrk="0" fontAlgn="base" hangingPunct="0">
+              <a:spcBef>
+                <a:spcPct val="20000"/>
+              </a:spcBef>
+              <a:spcAft>
+                <a:spcPct val="0"/>
+              </a:spcAft>
+              <a:buFont typeface="Arial" charset="0"/>
+              <a:buChar char="»"/>
+              <a:defRPr sz="2000">
+                <a:solidFill>
+                  <a:schemeClr val="tx1"/>
+                </a:solidFill>
+                <a:latin typeface="Calibri" pitchFamily="34" charset="0"/>
+              </a:defRPr>
+            </a:lvl8pPr>
+            <a:lvl9pPr marL="3886200" indent="-228600" eaLnBrk="0" fontAlgn="base" hangingPunct="0">
+              <a:spcBef>
+                <a:spcPct val="20000"/>
+              </a:spcBef>
+              <a:spcAft>
+                <a:spcPct val="0"/>
+              </a:spcAft>
+              <a:buFont typeface="Arial" charset="0"/>
+              <a:buChar char="»"/>
+              <a:defRPr sz="2000">
+                <a:solidFill>
+                  <a:schemeClr val="tx1"/>
+                </a:solidFill>
+                <a:latin typeface="Calibri" pitchFamily="34" charset="0"/>
+              </a:defRPr>
+            </a:lvl9pPr>
+          </a:lstStyle>
+          <a:p>
+            <a:pPr eaLnBrk="1" hangingPunct="1">
+              <a:spcBef>
+                <a:spcPct val="0"/>
+              </a:spcBef>
+              <a:buFontTx/>
+              <a:buNone/>
+            </a:pPr>
+            <a:r>
+              <a:rPr lang="en-US" altLang="en-US" sz="1800">
+                <a:latin typeface="Segoe UI" pitchFamily="34" charset="0"/>
+              </a:rPr>
+              <a:t>Carnelley, K. B., Wortman, C. B., Bolger, N., &amp; Burke, C. T. (2006). The time course of grief reactions to spousal loss: Evidence from a national probablility sample. </a:t>
+            </a:r>
+            <a:r>
+              <a:rPr lang="en-US" altLang="en-US" sz="1800" i="1">
+                <a:latin typeface="Segoe UI" pitchFamily="34" charset="0"/>
+              </a:rPr>
+              <a:t>Journal of Personality and Social  Psychology, 91, 476-492. </a:t>
+            </a:r>
+          </a:p>
+        </p:txBody>
+      </p:sp>
+    </p:spTree>
+    <p:extLst>
+      <p:ext uri="{BB962C8B-B14F-4D97-AF65-F5344CB8AC3E}">
+        <p14:creationId xmlns:p14="http://schemas.microsoft.com/office/powerpoint/2010/main" val="1407138331"/>
+      </p:ext>
+    </p:extLst>
+  </p:cSld>
+  <p:clrMapOvr>
+    <a:masterClrMapping/>
+  </p:clrMapOvr>
+  <p:timing>
+    <p:tnLst>
+      <p:par>
+        <p:cTn id="1" dur="indefinite" restart="never" nodeType="tmRoot"/>
+      </p:par>
+    </p:tnLst>
+  </p:timing>
+</p:sld>
+</file>
+
+<file path=ppt/slides/slide30.xml><?xml version="1.0" encoding="utf-8"?>
+<p:sld xmlns:a="http://schemas.openxmlformats.org/drawingml/2006/main" xmlns:r="http://schemas.openxmlformats.org/officeDocument/2006/relationships" xmlns:p="http://schemas.openxmlformats.org/presentationml/2006/main">
+  <p:cSld>
+    <p:spTree>
+      <p:nvGrpSpPr>
+        <p:cNvPr id="1" name=""/>
+        <p:cNvGrpSpPr/>
+        <p:nvPr/>
+      </p:nvGrpSpPr>
+      <p:grpSpPr>
+        <a:xfrm>
+          <a:off x="0" y="0"/>
+          <a:ext cx="0" cy="0"/>
+          <a:chOff x="0" y="0"/>
+          <a:chExt cx="0" cy="0"/>
+        </a:xfrm>
+      </p:grpSpPr>
+      <p:sp>
+        <p:nvSpPr>
           <p:cNvPr id="3" name="Slide Number Placeholder 2"/>
           <p:cNvSpPr>
             <a:spLocks noGrp="1"/>
@@ -11153,7 +11636,7 @@
           <a:p>
             <a:fld id="{930465AD-53DA-D841-AEBD-0BDBF8BCBA90}" type="slidenum">
               <a:rPr lang="en-US" smtClean="0"/>
-              <a:t>29</a:t>
+              <a:t>30</a:t>
             </a:fld>
             <a:endParaRPr lang="en-US"/>
           </a:p>
@@ -11171,8 +11654,8 @@
         </p:nvSpPr>
         <p:spPr>
           <a:xfrm>
-            <a:off x="457200" y="274638"/>
-            <a:ext cx="8229600" cy="960437"/>
+            <a:off x="-122827" y="247342"/>
+            <a:ext cx="9307750" cy="694353"/>
           </a:xfrm>
           <a:ln w="28575" cmpd="sng">
             <a:noFill/>
@@ -11186,7 +11669,11 @@
           <a:p>
             <a:r>
               <a:rPr lang="en-US" sz="3200" dirty="0" smtClean="0"/>
-              <a:t>Model Fit: Female Provide/Male Receive</a:t>
+              <a:t>Model </a:t>
+            </a:r>
+            <a:r>
+              <a:rPr lang="en-US" sz="3200" dirty="0" smtClean="0"/>
+              <a:t>Predictions</a:t>
             </a:r>
             <a:endParaRPr lang="en-US" sz="3200" dirty="0"/>
           </a:p>
@@ -11270,7 +11757,7 @@
 </p:sld>
 </file>
 
-<file path=ppt/slides/slide3.xml><?xml version="1.0" encoding="utf-8"?>
+<file path=ppt/slides/slide31.xml><?xml version="1.0" encoding="utf-8"?>
 <p:sld xmlns:a="http://schemas.openxmlformats.org/drawingml/2006/main" xmlns:r="http://schemas.openxmlformats.org/officeDocument/2006/relationships" xmlns:p="http://schemas.openxmlformats.org/presentationml/2006/main">
   <p:cSld>
     <p:spTree>
@@ -11289,319 +11776,6 @@
       </p:grpSpPr>
       <p:sp>
         <p:nvSpPr>
-          <p:cNvPr id="4098" name="Title 1"/>
-          <p:cNvSpPr>
-            <a:spLocks noGrp="1"/>
-          </p:cNvSpPr>
-          <p:nvPr>
-            <p:ph type="title"/>
-          </p:nvPr>
-        </p:nvSpPr>
-        <p:spPr>
-          <a:xfrm>
-            <a:off x="228600" y="274638"/>
-            <a:ext cx="8610600" cy="1143000"/>
-          </a:xfrm>
-        </p:spPr>
-        <p:txBody>
-          <a:bodyPr/>
-          <a:lstStyle/>
-          <a:p>
-            <a:pPr eaLnBrk="1" hangingPunct="1"/>
-            <a:r>
-              <a:rPr lang="en-US" altLang="en-US" smtClean="0"/>
-              <a:t>Adjustment to bereavement</a:t>
-            </a:r>
-          </a:p>
-        </p:txBody>
-      </p:sp>
-      <p:pic>
-        <p:nvPicPr>
-          <p:cNvPr id="4099" name="Picture 2"/>
-          <p:cNvPicPr>
-            <a:picLocks noGrp="1" noChangeAspect="1" noChangeArrowheads="1"/>
-          </p:cNvPicPr>
-          <p:nvPr>
-            <p:ph idx="1"/>
-          </p:nvPr>
-        </p:nvPicPr>
-        <p:blipFill>
-          <a:blip r:embed="rId2">
-            <a:extLst>
-              <a:ext uri="{28A0092B-C50C-407E-A947-70E740481C1C}">
-                <a14:useLocalDpi xmlns:a14="http://schemas.microsoft.com/office/drawing/2010/main" val="0"/>
-              </a:ext>
-            </a:extLst>
-          </a:blip>
-          <a:srcRect/>
-          <a:stretch>
-            <a:fillRect/>
-          </a:stretch>
-        </p:blipFill>
-        <p:spPr>
-          <a:xfrm>
-            <a:off x="457200" y="1863725"/>
-            <a:ext cx="8229600" cy="3241675"/>
-          </a:xfrm>
-          <a:noFill/>
-          <a:extLst>
-            <a:ext uri="{909E8E84-426E-40DD-AFC4-6F175D3DCCD1}">
-              <a14:hiddenFill xmlns:a14="http://schemas.microsoft.com/office/drawing/2010/main">
-                <a:solidFill>
-                  <a:schemeClr val="accent1"/>
-                </a:solidFill>
-              </a14:hiddenFill>
-            </a:ext>
-            <a:ext uri="{91240B29-F687-4F45-9708-019B960494DF}">
-              <a14:hiddenLine xmlns:a14="http://schemas.microsoft.com/office/drawing/2010/main" w="9525">
-                <a:solidFill>
-                  <a:schemeClr val="tx1"/>
-                </a:solidFill>
-                <a:miter lim="800000"/>
-                <a:headEnd/>
-                <a:tailEnd/>
-              </a14:hiddenLine>
-            </a:ext>
-          </a:extLst>
-        </p:spPr>
-      </p:pic>
-      <p:sp>
-        <p:nvSpPr>
-          <p:cNvPr id="4100" name="Rectangle 3"/>
-          <p:cNvSpPr>
-            <a:spLocks noChangeArrowheads="1"/>
-          </p:cNvSpPr>
-          <p:nvPr/>
-        </p:nvSpPr>
-        <p:spPr bwMode="auto">
-          <a:xfrm>
-            <a:off x="76200" y="5553075"/>
-            <a:ext cx="9067800" cy="923925"/>
-          </a:xfrm>
-          <a:prstGeom prst="rect">
-            <a:avLst/>
-          </a:prstGeom>
-          <a:noFill/>
-          <a:ln>
-            <a:noFill/>
-          </a:ln>
-          <a:extLst>
-            <a:ext uri="{909E8E84-426E-40DD-AFC4-6F175D3DCCD1}">
-              <a14:hiddenFill xmlns:a14="http://schemas.microsoft.com/office/drawing/2010/main">
-                <a:solidFill>
-                  <a:srgbClr val="FFFFFF"/>
-                </a:solidFill>
-              </a14:hiddenFill>
-            </a:ext>
-            <a:ext uri="{91240B29-F687-4F45-9708-019B960494DF}">
-              <a14:hiddenLine xmlns:a14="http://schemas.microsoft.com/office/drawing/2010/main" w="9525">
-                <a:solidFill>
-                  <a:srgbClr val="000000"/>
-                </a:solidFill>
-                <a:miter lim="800000"/>
-                <a:headEnd/>
-                <a:tailEnd/>
-              </a14:hiddenLine>
-            </a:ext>
-          </a:extLst>
-        </p:spPr>
-        <p:txBody>
-          <a:bodyPr>
-            <a:spAutoFit/>
-          </a:bodyPr>
-          <a:lstStyle>
-            <a:lvl1pPr eaLnBrk="0" hangingPunct="0">
-              <a:spcBef>
-                <a:spcPct val="20000"/>
-              </a:spcBef>
-              <a:buFont typeface="Arial" charset="0"/>
-              <a:buChar char="•"/>
-              <a:defRPr sz="3200">
-                <a:solidFill>
-                  <a:schemeClr val="tx1"/>
-                </a:solidFill>
-                <a:latin typeface="Calibri" pitchFamily="34" charset="0"/>
-              </a:defRPr>
-            </a:lvl1pPr>
-            <a:lvl2pPr marL="742950" indent="-285750" eaLnBrk="0" hangingPunct="0">
-              <a:spcBef>
-                <a:spcPct val="20000"/>
-              </a:spcBef>
-              <a:buFont typeface="Arial" charset="0"/>
-              <a:buChar char="–"/>
-              <a:defRPr sz="2800">
-                <a:solidFill>
-                  <a:schemeClr val="tx1"/>
-                </a:solidFill>
-                <a:latin typeface="Calibri" pitchFamily="34" charset="0"/>
-              </a:defRPr>
-            </a:lvl2pPr>
-            <a:lvl3pPr marL="1143000" indent="-228600" eaLnBrk="0" hangingPunct="0">
-              <a:spcBef>
-                <a:spcPct val="20000"/>
-              </a:spcBef>
-              <a:buFont typeface="Arial" charset="0"/>
-              <a:buChar char="•"/>
-              <a:defRPr sz="2400">
-                <a:solidFill>
-                  <a:schemeClr val="tx1"/>
-                </a:solidFill>
-                <a:latin typeface="Calibri" pitchFamily="34" charset="0"/>
-              </a:defRPr>
-            </a:lvl3pPr>
-            <a:lvl4pPr marL="1600200" indent="-228600" eaLnBrk="0" hangingPunct="0">
-              <a:spcBef>
-                <a:spcPct val="20000"/>
-              </a:spcBef>
-              <a:buFont typeface="Arial" charset="0"/>
-              <a:buChar char="–"/>
-              <a:defRPr sz="2000">
-                <a:solidFill>
-                  <a:schemeClr val="tx1"/>
-                </a:solidFill>
-                <a:latin typeface="Calibri" pitchFamily="34" charset="0"/>
-              </a:defRPr>
-            </a:lvl4pPr>
-            <a:lvl5pPr marL="2057400" indent="-228600" eaLnBrk="0" hangingPunct="0">
-              <a:spcBef>
-                <a:spcPct val="20000"/>
-              </a:spcBef>
-              <a:buFont typeface="Arial" charset="0"/>
-              <a:buChar char="»"/>
-              <a:defRPr sz="2000">
-                <a:solidFill>
-                  <a:schemeClr val="tx1"/>
-                </a:solidFill>
-                <a:latin typeface="Calibri" pitchFamily="34" charset="0"/>
-              </a:defRPr>
-            </a:lvl5pPr>
-            <a:lvl6pPr marL="2514600" indent="-228600" eaLnBrk="0" fontAlgn="base" hangingPunct="0">
-              <a:spcBef>
-                <a:spcPct val="20000"/>
-              </a:spcBef>
-              <a:spcAft>
-                <a:spcPct val="0"/>
-              </a:spcAft>
-              <a:buFont typeface="Arial" charset="0"/>
-              <a:buChar char="»"/>
-              <a:defRPr sz="2000">
-                <a:solidFill>
-                  <a:schemeClr val="tx1"/>
-                </a:solidFill>
-                <a:latin typeface="Calibri" pitchFamily="34" charset="0"/>
-              </a:defRPr>
-            </a:lvl6pPr>
-            <a:lvl7pPr marL="2971800" indent="-228600" eaLnBrk="0" fontAlgn="base" hangingPunct="0">
-              <a:spcBef>
-                <a:spcPct val="20000"/>
-              </a:spcBef>
-              <a:spcAft>
-                <a:spcPct val="0"/>
-              </a:spcAft>
-              <a:buFont typeface="Arial" charset="0"/>
-              <a:buChar char="»"/>
-              <a:defRPr sz="2000">
-                <a:solidFill>
-                  <a:schemeClr val="tx1"/>
-                </a:solidFill>
-                <a:latin typeface="Calibri" pitchFamily="34" charset="0"/>
-              </a:defRPr>
-            </a:lvl7pPr>
-            <a:lvl8pPr marL="3429000" indent="-228600" eaLnBrk="0" fontAlgn="base" hangingPunct="0">
-              <a:spcBef>
-                <a:spcPct val="20000"/>
-              </a:spcBef>
-              <a:spcAft>
-                <a:spcPct val="0"/>
-              </a:spcAft>
-              <a:buFont typeface="Arial" charset="0"/>
-              <a:buChar char="»"/>
-              <a:defRPr sz="2000">
-                <a:solidFill>
-                  <a:schemeClr val="tx1"/>
-                </a:solidFill>
-                <a:latin typeface="Calibri" pitchFamily="34" charset="0"/>
-              </a:defRPr>
-            </a:lvl8pPr>
-            <a:lvl9pPr marL="3886200" indent="-228600" eaLnBrk="0" fontAlgn="base" hangingPunct="0">
-              <a:spcBef>
-                <a:spcPct val="20000"/>
-              </a:spcBef>
-              <a:spcAft>
-                <a:spcPct val="0"/>
-              </a:spcAft>
-              <a:buFont typeface="Arial" charset="0"/>
-              <a:buChar char="»"/>
-              <a:defRPr sz="2000">
-                <a:solidFill>
-                  <a:schemeClr val="tx1"/>
-                </a:solidFill>
-                <a:latin typeface="Calibri" pitchFamily="34" charset="0"/>
-              </a:defRPr>
-            </a:lvl9pPr>
-          </a:lstStyle>
-          <a:p>
-            <a:pPr eaLnBrk="1" hangingPunct="1">
-              <a:spcBef>
-                <a:spcPct val="0"/>
-              </a:spcBef>
-              <a:buFontTx/>
-              <a:buNone/>
-            </a:pPr>
-            <a:r>
-              <a:rPr lang="en-US" altLang="en-US" sz="1800">
-                <a:latin typeface="Segoe UI" pitchFamily="34" charset="0"/>
-              </a:rPr>
-              <a:t>Carnelley, K. B., Wortman, C. B., Bolger, N., &amp; Burke, C. T. (2006). The time course of grief reactions to spousal loss: Evidence from a national probablility sample. </a:t>
-            </a:r>
-            <a:r>
-              <a:rPr lang="en-US" altLang="en-US" sz="1800" i="1">
-                <a:latin typeface="Segoe UI" pitchFamily="34" charset="0"/>
-              </a:rPr>
-              <a:t>Journal of Personality and Social  Psychology, 91, 476-492. </a:t>
-            </a:r>
-          </a:p>
-        </p:txBody>
-      </p:sp>
-    </p:spTree>
-    <p:extLst>
-      <p:ext uri="{BB962C8B-B14F-4D97-AF65-F5344CB8AC3E}">
-        <p14:creationId xmlns:p14="http://schemas.microsoft.com/office/powerpoint/2010/main" val="1407138331"/>
-      </p:ext>
-    </p:extLst>
-  </p:cSld>
-  <p:clrMapOvr>
-    <a:masterClrMapping/>
-  </p:clrMapOvr>
-  <p:timing>
-    <p:tnLst>
-      <p:par>
-        <p:cTn id="1" dur="indefinite" restart="never" nodeType="tmRoot"/>
-      </p:par>
-    </p:tnLst>
-  </p:timing>
-</p:sld>
-</file>
-
-<file path=ppt/slides/slide30.xml><?xml version="1.0" encoding="utf-8"?>
-<p:sld xmlns:a="http://schemas.openxmlformats.org/drawingml/2006/main" xmlns:r="http://schemas.openxmlformats.org/officeDocument/2006/relationships" xmlns:p="http://schemas.openxmlformats.org/presentationml/2006/main">
-  <p:cSld>
-    <p:spTree>
-      <p:nvGrpSpPr>
-        <p:cNvPr id="1" name=""/>
-        <p:cNvGrpSpPr/>
-        <p:nvPr/>
-      </p:nvGrpSpPr>
-      <p:grpSpPr>
-        <a:xfrm>
-          <a:off x="0" y="0"/>
-          <a:ext cx="0" cy="0"/>
-          <a:chOff x="0" y="0"/>
-          <a:chExt cx="0" cy="0"/>
-        </a:xfrm>
-      </p:grpSpPr>
-      <p:sp>
-        <p:nvSpPr>
           <p:cNvPr id="3" name="Slide Number Placeholder 2"/>
           <p:cNvSpPr>
             <a:spLocks noGrp="1"/>
@@ -11617,7 +11791,7 @@
           <a:p>
             <a:fld id="{930465AD-53DA-D841-AEBD-0BDBF8BCBA90}" type="slidenum">
               <a:rPr lang="en-US" smtClean="0"/>
-              <a:t>30</a:t>
+              <a:t>31</a:t>
             </a:fld>
             <a:endParaRPr lang="en-US"/>
           </a:p>
@@ -11650,7 +11824,7 @@
           <a:p>
             <a:r>
               <a:rPr lang="en-US" sz="3200" dirty="0" smtClean="0"/>
-              <a:t>Model Fit: Female Provide/Male Receive</a:t>
+              <a:t>Model Predictions and Observed Data</a:t>
             </a:r>
             <a:endParaRPr lang="en-US" sz="3200" dirty="0"/>
           </a:p>
@@ -11784,7 +11958,7 @@
 </p:sld>
 </file>
 
-<file path=ppt/slides/slide31.xml><?xml version="1.0" encoding="utf-8"?>
+<file path=ppt/slides/slide32.xml><?xml version="1.0" encoding="utf-8"?>
 <p:sld xmlns:a="http://schemas.openxmlformats.org/drawingml/2006/main" xmlns:r="http://schemas.openxmlformats.org/officeDocument/2006/relationships" xmlns:p="http://schemas.openxmlformats.org/presentationml/2006/main">
   <p:cSld>
     <p:spTree>
@@ -11803,6 +11977,120 @@
       </p:grpSpPr>
       <p:sp>
         <p:nvSpPr>
+          <p:cNvPr id="3" name="Slide Number Placeholder 2"/>
+          <p:cNvSpPr>
+            <a:spLocks noGrp="1"/>
+          </p:cNvSpPr>
+          <p:nvPr>
+            <p:ph type="sldNum" sz="quarter" idx="12"/>
+          </p:nvPr>
+        </p:nvSpPr>
+        <p:spPr/>
+        <p:txBody>
+          <a:bodyPr/>
+          <a:lstStyle/>
+          <a:p>
+            <a:fld id="{930465AD-53DA-D841-AEBD-0BDBF8BCBA90}" type="slidenum">
+              <a:rPr lang="en-US" smtClean="0"/>
+              <a:t>32</a:t>
+            </a:fld>
+            <a:endParaRPr lang="en-US"/>
+          </a:p>
+        </p:txBody>
+      </p:sp>
+      <p:pic>
+        <p:nvPicPr>
+          <p:cNvPr id="8" name="Picture 2"/>
+          <p:cNvPicPr>
+            <a:picLocks noChangeAspect="1" noChangeArrowheads="1"/>
+          </p:cNvPicPr>
+          <p:nvPr/>
+        </p:nvPicPr>
+        <p:blipFill>
+          <a:blip r:embed="rId2">
+            <a:extLst>
+              <a:ext uri="{28A0092B-C50C-407E-A947-70E740481C1C}">
+                <a14:useLocalDpi xmlns:a14="http://schemas.microsoft.com/office/drawing/2010/main" val="0"/>
+              </a:ext>
+            </a:extLst>
+          </a:blip>
+          <a:srcRect/>
+          <a:stretch>
+            <a:fillRect/>
+          </a:stretch>
+        </p:blipFill>
+        <p:spPr bwMode="auto">
+          <a:xfrm>
+            <a:off x="54590" y="163776"/>
+            <a:ext cx="9210675" cy="6724650"/>
+          </a:xfrm>
+          <a:prstGeom prst="rect">
+            <a:avLst/>
+          </a:prstGeom>
+          <a:noFill/>
+          <a:ln>
+            <a:noFill/>
+          </a:ln>
+          <a:extLst>
+            <a:ext uri="{909E8E84-426E-40DD-AFC4-6F175D3DCCD1}">
+              <a14:hiddenFill xmlns:a14="http://schemas.microsoft.com/office/drawing/2010/main">
+                <a:solidFill>
+                  <a:schemeClr val="accent1"/>
+                </a:solidFill>
+              </a14:hiddenFill>
+            </a:ext>
+            <a:ext uri="{91240B29-F687-4F45-9708-019B960494DF}">
+              <a14:hiddenLine xmlns:a14="http://schemas.microsoft.com/office/drawing/2010/main" w="9525">
+                <a:solidFill>
+                  <a:schemeClr val="tx1"/>
+                </a:solidFill>
+                <a:miter lim="800000"/>
+                <a:headEnd/>
+                <a:tailEnd/>
+              </a14:hiddenLine>
+            </a:ext>
+          </a:extLst>
+        </p:spPr>
+      </p:pic>
+    </p:spTree>
+    <p:extLst>
+      <p:ext uri="{BB962C8B-B14F-4D97-AF65-F5344CB8AC3E}">
+        <p14:creationId xmlns:p14="http://schemas.microsoft.com/office/powerpoint/2010/main" val="3757948010"/>
+      </p:ext>
+    </p:extLst>
+  </p:cSld>
+  <p:clrMapOvr>
+    <a:masterClrMapping/>
+  </p:clrMapOvr>
+  <p:timing>
+    <p:tnLst>
+      <p:par>
+        <p:cTn id="1" dur="indefinite" restart="never" nodeType="tmRoot"/>
+      </p:par>
+    </p:tnLst>
+  </p:timing>
+</p:sld>
+</file>
+
+<file path=ppt/slides/slide33.xml><?xml version="1.0" encoding="utf-8"?>
+<p:sld xmlns:a="http://schemas.openxmlformats.org/drawingml/2006/main" xmlns:r="http://schemas.openxmlformats.org/officeDocument/2006/relationships" xmlns:p="http://schemas.openxmlformats.org/presentationml/2006/main">
+  <p:cSld>
+    <p:spTree>
+      <p:nvGrpSpPr>
+        <p:cNvPr id="1" name=""/>
+        <p:cNvGrpSpPr/>
+        <p:nvPr/>
+      </p:nvGrpSpPr>
+      <p:grpSpPr>
+        <a:xfrm>
+          <a:off x="0" y="0"/>
+          <a:ext cx="0" cy="0"/>
+          <a:chOff x="0" y="0"/>
+          <a:chExt cx="0" cy="0"/>
+        </a:xfrm>
+      </p:grpSpPr>
+      <p:sp>
+        <p:nvSpPr>
           <p:cNvPr id="2" name="Slide Number Placeholder 1"/>
           <p:cNvSpPr>
             <a:spLocks noGrp="1"/>
@@ -11818,7 +12106,7 @@
           <a:p>
             <a:fld id="{930465AD-53DA-D841-AEBD-0BDBF8BCBA90}" type="slidenum">
               <a:rPr lang="en-US" smtClean="0"/>
-              <a:t>31</a:t>
+              <a:t>33</a:t>
             </a:fld>
             <a:endParaRPr lang="en-US"/>
           </a:p>
@@ -11877,7 +12165,7 @@
         </p:blipFill>
         <p:spPr bwMode="auto">
           <a:xfrm>
-            <a:off x="47625" y="133350"/>
+            <a:off x="47625" y="283478"/>
             <a:ext cx="9048750" cy="6591300"/>
           </a:xfrm>
           <a:prstGeom prst="rect">
@@ -11928,7 +12216,7 @@
 </p:sld>
 </file>
 
-<file path=ppt/slides/slide32.xml><?xml version="1.0" encoding="utf-8"?>
+<file path=ppt/slides/slide34.xml><?xml version="1.0" encoding="utf-8"?>
 <p:sld xmlns:a="http://schemas.openxmlformats.org/drawingml/2006/main" xmlns:r="http://schemas.openxmlformats.org/officeDocument/2006/relationships" xmlns:p="http://schemas.openxmlformats.org/presentationml/2006/main">
   <p:cSld>
     <p:spTree>
@@ -11986,15 +12274,22 @@
         </p:spPr>
         <p:txBody>
           <a:bodyPr>
-            <a:normAutofit lnSpcReduction="10000"/>
+            <a:normAutofit fontScale="92500" lnSpcReduction="10000"/>
           </a:bodyPr>
           <a:lstStyle/>
           <a:p>
             <a:r>
               <a:rPr lang="en-US" dirty="0" smtClean="0"/>
-              <a:t>Standard Cross-Lagged Regression Model</a:t>
-            </a:r>
-            <a:endParaRPr lang="en-US" dirty="0" smtClean="0"/>
+              <a:t>Standard </a:t>
+            </a:r>
+            <a:r>
+              <a:rPr lang="en-US" dirty="0" smtClean="0"/>
+              <a:t>VAR / Cross-Lagged </a:t>
+            </a:r>
+            <a:r>
+              <a:rPr lang="en-US" dirty="0" smtClean="0"/>
+              <a:t>Regression Model</a:t>
+            </a:r>
           </a:p>
           <a:p>
             <a:endParaRPr lang="en-US" sz="800" dirty="0" smtClean="0"/>
@@ -12006,34 +12301,23 @@
             </a:r>
             <a:r>
               <a:rPr lang="en-US" dirty="0" smtClean="0"/>
-              <a:t>self-regulation </a:t>
+              <a:t>autoregressive</a:t>
             </a:r>
             <a:r>
               <a:rPr lang="en-US" dirty="0" smtClean="0"/>
-              <a:t>effects?</a:t>
-            </a:r>
+              <a:t> effects, inertia</a:t>
+            </a:r>
+            <a:r>
+              <a:rPr lang="en-US" dirty="0" smtClean="0"/>
+              <a:t>?</a:t>
+            </a:r>
+            <a:endParaRPr lang="en-US" dirty="0" smtClean="0"/>
           </a:p>
           <a:p>
             <a:pPr lvl="1"/>
             <a:r>
               <a:rPr lang="en-US" dirty="0" smtClean="0"/>
-              <a:t>One’s own RSA </a:t>
-            </a:r>
-            <a:r>
-              <a:rPr lang="en-US" dirty="0" smtClean="0"/>
-              <a:t>predicting one’s </a:t>
-            </a:r>
-            <a:r>
-              <a:rPr lang="en-US" dirty="0" smtClean="0"/>
-              <a:t>own RSA at the </a:t>
-            </a:r>
-            <a:r>
-              <a:rPr lang="en-US" dirty="0" smtClean="0"/>
-              <a:t>next </a:t>
-            </a:r>
-            <a:r>
-              <a:rPr lang="en-US" dirty="0" smtClean="0"/>
-              <a:t>time point</a:t>
+              <a:t>One’s own RSA predicting one’s own RSA at the next time point</a:t>
             </a:r>
           </a:p>
           <a:p>
@@ -12092,7 +12376,7 @@
           <a:p>
             <a:fld id="{930465AD-53DA-D841-AEBD-0BDBF8BCBA90}" type="slidenum">
               <a:rPr lang="en-US" smtClean="0"/>
-              <a:t>32</a:t>
+              <a:t>34</a:t>
             </a:fld>
             <a:endParaRPr lang="en-US"/>
           </a:p>
@@ -12371,7 +12655,7 @@
 </p:sld>
 </file>
 
-<file path=ppt/slides/slide33.xml><?xml version="1.0" encoding="utf-8"?>
+<file path=ppt/slides/slide35.xml><?xml version="1.0" encoding="utf-8"?>
 <p:sld xmlns:a="http://schemas.openxmlformats.org/drawingml/2006/main" xmlns:r="http://schemas.openxmlformats.org/officeDocument/2006/relationships" xmlns:p="http://schemas.openxmlformats.org/presentationml/2006/main">
   <p:cSld>
     <p:spTree>
@@ -12390,6 +12674,1145 @@
       </p:grpSpPr>
       <p:sp>
         <p:nvSpPr>
+          <p:cNvPr id="4" name="Slide Number Placeholder 3"/>
+          <p:cNvSpPr>
+            <a:spLocks noGrp="1"/>
+          </p:cNvSpPr>
+          <p:nvPr>
+            <p:ph type="sldNum" sz="quarter" idx="12"/>
+          </p:nvPr>
+        </p:nvSpPr>
+        <p:spPr/>
+        <p:txBody>
+          <a:bodyPr/>
+          <a:lstStyle/>
+          <a:p>
+            <a:fld id="{930465AD-53DA-D841-AEBD-0BDBF8BCBA90}" type="slidenum">
+              <a:rPr lang="en-US" smtClean="0"/>
+              <a:t>35</a:t>
+            </a:fld>
+            <a:endParaRPr lang="en-US"/>
+          </a:p>
+        </p:txBody>
+      </p:sp>
+      <p:sp>
+        <p:nvSpPr>
+          <p:cNvPr id="5" name="Title 1"/>
+          <p:cNvSpPr>
+            <a:spLocks noGrp="1"/>
+          </p:cNvSpPr>
+          <p:nvPr>
+            <p:ph type="title"/>
+          </p:nvPr>
+        </p:nvSpPr>
+        <p:spPr>
+          <a:xfrm>
+            <a:off x="489099" y="423500"/>
+            <a:ext cx="8229600" cy="588962"/>
+          </a:xfrm>
+        </p:spPr>
+        <p:txBody>
+          <a:bodyPr>
+            <a:normAutofit fontScale="90000"/>
+          </a:bodyPr>
+          <a:lstStyle/>
+          <a:p>
+            <a:r>
+              <a:rPr lang="en-US" dirty="0" smtClean="0"/>
+              <a:t>VAR / Cross-Lagged Model Results</a:t>
+            </a:r>
+            <a:endParaRPr lang="en-US" dirty="0"/>
+          </a:p>
+        </p:txBody>
+      </p:sp>
+      <p:grpSp>
+        <p:nvGrpSpPr>
+          <p:cNvPr id="33" name="Group 32"/>
+          <p:cNvGrpSpPr/>
+          <p:nvPr/>
+        </p:nvGrpSpPr>
+        <p:grpSpPr>
+          <a:xfrm>
+            <a:off x="847750" y="2256972"/>
+            <a:ext cx="7617723" cy="2540786"/>
+            <a:chOff x="805218" y="1937982"/>
+            <a:chExt cx="7617723" cy="2540786"/>
+          </a:xfrm>
+        </p:grpSpPr>
+        <p:grpSp>
+          <p:nvGrpSpPr>
+            <p:cNvPr id="10" name="Group 9"/>
+            <p:cNvGrpSpPr/>
+            <p:nvPr/>
+          </p:nvGrpSpPr>
+          <p:grpSpPr>
+            <a:xfrm>
+              <a:off x="805218" y="1937982"/>
+              <a:ext cx="1583140" cy="791570"/>
+              <a:chOff x="805218" y="1937982"/>
+              <a:chExt cx="1583140" cy="791570"/>
+            </a:xfrm>
+          </p:grpSpPr>
+          <p:sp>
+            <p:nvSpPr>
+              <p:cNvPr id="6" name="Rectangle 5"/>
+              <p:cNvSpPr/>
+              <p:nvPr/>
+            </p:nvSpPr>
+            <p:spPr>
+              <a:xfrm>
+                <a:off x="805218" y="1937982"/>
+                <a:ext cx="1583140" cy="791570"/>
+              </a:xfrm>
+              <a:prstGeom prst="rect">
+                <a:avLst/>
+              </a:prstGeom>
+              <a:noFill/>
+            </p:spPr>
+            <p:style>
+              <a:lnRef idx="1">
+                <a:schemeClr val="accent1"/>
+              </a:lnRef>
+              <a:fillRef idx="3">
+                <a:schemeClr val="accent1"/>
+              </a:fillRef>
+              <a:effectRef idx="2">
+                <a:schemeClr val="accent1"/>
+              </a:effectRef>
+              <a:fontRef idx="minor">
+                <a:schemeClr val="lt1"/>
+              </a:fontRef>
+            </p:style>
+            <p:txBody>
+              <a:bodyPr rtlCol="0" anchor="ctr"/>
+              <a:lstStyle/>
+              <a:p>
+                <a:pPr algn="ctr"/>
+                <a:endParaRPr lang="en-US"/>
+              </a:p>
+            </p:txBody>
+          </p:sp>
+          <p:sp>
+            <p:nvSpPr>
+              <p:cNvPr id="7" name="TextBox 6"/>
+              <p:cNvSpPr txBox="1"/>
+              <p:nvPr/>
+            </p:nvSpPr>
+            <p:spPr>
+              <a:xfrm>
+                <a:off x="986489" y="2094509"/>
+                <a:ext cx="1264642" cy="523220"/>
+              </a:xfrm>
+              <a:prstGeom prst="rect">
+                <a:avLst/>
+              </a:prstGeom>
+              <a:noFill/>
+            </p:spPr>
+            <p:txBody>
+              <a:bodyPr wrap="none" rtlCol="0">
+                <a:spAutoFit/>
+              </a:bodyPr>
+              <a:lstStyle/>
+              <a:p>
+                <a:r>
+                  <a:rPr lang="en-US" sz="2800" b="1" dirty="0" smtClean="0"/>
+                  <a:t>Female</a:t>
+                </a:r>
+                <a:endParaRPr lang="en-US" sz="2800" b="1" dirty="0"/>
+              </a:p>
+            </p:txBody>
+          </p:sp>
+        </p:grpSp>
+        <p:grpSp>
+          <p:nvGrpSpPr>
+            <p:cNvPr id="11" name="Group 10"/>
+            <p:cNvGrpSpPr/>
+            <p:nvPr/>
+          </p:nvGrpSpPr>
+          <p:grpSpPr>
+            <a:xfrm>
+              <a:off x="862082" y="3687198"/>
+              <a:ext cx="1583140" cy="791570"/>
+              <a:chOff x="862082" y="3687198"/>
+              <a:chExt cx="1583140" cy="791570"/>
+            </a:xfrm>
+          </p:grpSpPr>
+          <p:sp>
+            <p:nvSpPr>
+              <p:cNvPr id="8" name="Rectangle 7"/>
+              <p:cNvSpPr/>
+              <p:nvPr/>
+            </p:nvSpPr>
+            <p:spPr>
+              <a:xfrm>
+                <a:off x="862082" y="3687198"/>
+                <a:ext cx="1583140" cy="791570"/>
+              </a:xfrm>
+              <a:prstGeom prst="rect">
+                <a:avLst/>
+              </a:prstGeom>
+              <a:noFill/>
+            </p:spPr>
+            <p:style>
+              <a:lnRef idx="1">
+                <a:schemeClr val="accent1"/>
+              </a:lnRef>
+              <a:fillRef idx="3">
+                <a:schemeClr val="accent1"/>
+              </a:fillRef>
+              <a:effectRef idx="2">
+                <a:schemeClr val="accent1"/>
+              </a:effectRef>
+              <a:fontRef idx="minor">
+                <a:schemeClr val="lt1"/>
+              </a:fontRef>
+            </p:style>
+            <p:txBody>
+              <a:bodyPr rtlCol="0" anchor="ctr"/>
+              <a:lstStyle/>
+              <a:p>
+                <a:pPr algn="ctr"/>
+                <a:endParaRPr lang="en-US"/>
+              </a:p>
+            </p:txBody>
+          </p:sp>
+          <p:sp>
+            <p:nvSpPr>
+              <p:cNvPr id="9" name="TextBox 8"/>
+              <p:cNvSpPr txBox="1"/>
+              <p:nvPr/>
+            </p:nvSpPr>
+            <p:spPr>
+              <a:xfrm>
+                <a:off x="1166185" y="3830077"/>
+                <a:ext cx="946093" cy="523220"/>
+              </a:xfrm>
+              <a:prstGeom prst="rect">
+                <a:avLst/>
+              </a:prstGeom>
+              <a:noFill/>
+            </p:spPr>
+            <p:txBody>
+              <a:bodyPr wrap="none" rtlCol="0">
+                <a:spAutoFit/>
+              </a:bodyPr>
+              <a:lstStyle/>
+              <a:p>
+                <a:r>
+                  <a:rPr lang="en-US" sz="2800" b="1" dirty="0"/>
+                  <a:t>M</a:t>
+                </a:r>
+                <a:r>
+                  <a:rPr lang="en-US" sz="2800" b="1" dirty="0" smtClean="0"/>
+                  <a:t>ale</a:t>
+                </a:r>
+                <a:endParaRPr lang="en-US" sz="2800" b="1" dirty="0"/>
+              </a:p>
+            </p:txBody>
+          </p:sp>
+        </p:grpSp>
+        <p:grpSp>
+          <p:nvGrpSpPr>
+            <p:cNvPr id="12" name="Group 11"/>
+            <p:cNvGrpSpPr/>
+            <p:nvPr/>
+          </p:nvGrpSpPr>
+          <p:grpSpPr>
+            <a:xfrm>
+              <a:off x="5352197" y="1937982"/>
+              <a:ext cx="1583140" cy="791570"/>
+              <a:chOff x="805218" y="1937982"/>
+              <a:chExt cx="1583140" cy="791570"/>
+            </a:xfrm>
+          </p:grpSpPr>
+          <p:sp>
+            <p:nvSpPr>
+              <p:cNvPr id="13" name="Rectangle 12"/>
+              <p:cNvSpPr/>
+              <p:nvPr/>
+            </p:nvSpPr>
+            <p:spPr>
+              <a:xfrm>
+                <a:off x="805218" y="1937982"/>
+                <a:ext cx="1583140" cy="791570"/>
+              </a:xfrm>
+              <a:prstGeom prst="rect">
+                <a:avLst/>
+              </a:prstGeom>
+              <a:noFill/>
+            </p:spPr>
+            <p:style>
+              <a:lnRef idx="1">
+                <a:schemeClr val="accent1"/>
+              </a:lnRef>
+              <a:fillRef idx="3">
+                <a:schemeClr val="accent1"/>
+              </a:fillRef>
+              <a:effectRef idx="2">
+                <a:schemeClr val="accent1"/>
+              </a:effectRef>
+              <a:fontRef idx="minor">
+                <a:schemeClr val="lt1"/>
+              </a:fontRef>
+            </p:style>
+            <p:txBody>
+              <a:bodyPr rtlCol="0" anchor="ctr"/>
+              <a:lstStyle/>
+              <a:p>
+                <a:pPr algn="ctr"/>
+                <a:endParaRPr lang="en-US"/>
+              </a:p>
+            </p:txBody>
+          </p:sp>
+          <p:sp>
+            <p:nvSpPr>
+              <p:cNvPr id="14" name="TextBox 13"/>
+              <p:cNvSpPr txBox="1"/>
+              <p:nvPr/>
+            </p:nvSpPr>
+            <p:spPr>
+              <a:xfrm>
+                <a:off x="986489" y="2094509"/>
+                <a:ext cx="1264642" cy="523220"/>
+              </a:xfrm>
+              <a:prstGeom prst="rect">
+                <a:avLst/>
+              </a:prstGeom>
+              <a:noFill/>
+            </p:spPr>
+            <p:txBody>
+              <a:bodyPr wrap="none" rtlCol="0">
+                <a:spAutoFit/>
+              </a:bodyPr>
+              <a:lstStyle/>
+              <a:p>
+                <a:r>
+                  <a:rPr lang="en-US" sz="2800" b="1" dirty="0" smtClean="0"/>
+                  <a:t>Female</a:t>
+                </a:r>
+                <a:endParaRPr lang="en-US" sz="2800" b="1" dirty="0"/>
+              </a:p>
+            </p:txBody>
+          </p:sp>
+        </p:grpSp>
+        <p:grpSp>
+          <p:nvGrpSpPr>
+            <p:cNvPr id="15" name="Group 14"/>
+            <p:cNvGrpSpPr/>
+            <p:nvPr/>
+          </p:nvGrpSpPr>
+          <p:grpSpPr>
+            <a:xfrm>
+              <a:off x="5406765" y="3687198"/>
+              <a:ext cx="1583140" cy="791570"/>
+              <a:chOff x="862082" y="3687198"/>
+              <a:chExt cx="1583140" cy="791570"/>
+            </a:xfrm>
+          </p:grpSpPr>
+          <p:sp>
+            <p:nvSpPr>
+              <p:cNvPr id="16" name="Rectangle 15"/>
+              <p:cNvSpPr/>
+              <p:nvPr/>
+            </p:nvSpPr>
+            <p:spPr>
+              <a:xfrm>
+                <a:off x="862082" y="3687198"/>
+                <a:ext cx="1583140" cy="791570"/>
+              </a:xfrm>
+              <a:prstGeom prst="rect">
+                <a:avLst/>
+              </a:prstGeom>
+              <a:noFill/>
+            </p:spPr>
+            <p:style>
+              <a:lnRef idx="1">
+                <a:schemeClr val="accent1"/>
+              </a:lnRef>
+              <a:fillRef idx="3">
+                <a:schemeClr val="accent1"/>
+              </a:fillRef>
+              <a:effectRef idx="2">
+                <a:schemeClr val="accent1"/>
+              </a:effectRef>
+              <a:fontRef idx="minor">
+                <a:schemeClr val="lt1"/>
+              </a:fontRef>
+            </p:style>
+            <p:txBody>
+              <a:bodyPr rtlCol="0" anchor="ctr"/>
+              <a:lstStyle/>
+              <a:p>
+                <a:pPr algn="ctr"/>
+                <a:endParaRPr lang="en-US"/>
+              </a:p>
+            </p:txBody>
+          </p:sp>
+          <p:sp>
+            <p:nvSpPr>
+              <p:cNvPr id="17" name="TextBox 16"/>
+              <p:cNvSpPr txBox="1"/>
+              <p:nvPr/>
+            </p:nvSpPr>
+            <p:spPr>
+              <a:xfrm>
+                <a:off x="1166185" y="3830077"/>
+                <a:ext cx="946093" cy="523220"/>
+              </a:xfrm>
+              <a:prstGeom prst="rect">
+                <a:avLst/>
+              </a:prstGeom>
+              <a:noFill/>
+            </p:spPr>
+            <p:txBody>
+              <a:bodyPr wrap="none" rtlCol="0">
+                <a:spAutoFit/>
+              </a:bodyPr>
+              <a:lstStyle/>
+              <a:p>
+                <a:r>
+                  <a:rPr lang="en-US" sz="2800" b="1" dirty="0"/>
+                  <a:t>M</a:t>
+                </a:r>
+                <a:r>
+                  <a:rPr lang="en-US" sz="2800" b="1" dirty="0" smtClean="0"/>
+                  <a:t>ale</a:t>
+                </a:r>
+                <a:endParaRPr lang="en-US" sz="2800" b="1" dirty="0"/>
+              </a:p>
+            </p:txBody>
+          </p:sp>
+        </p:grpSp>
+        <p:cxnSp>
+          <p:nvCxnSpPr>
+            <p:cNvPr id="19" name="Straight Arrow Connector 18"/>
+            <p:cNvCxnSpPr>
+              <a:stCxn id="6" idx="3"/>
+              <a:endCxn id="13" idx="1"/>
+            </p:cNvCxnSpPr>
+            <p:nvPr/>
+          </p:nvCxnSpPr>
+          <p:spPr>
+            <a:xfrm>
+              <a:off x="2388358" y="2333767"/>
+              <a:ext cx="2963839" cy="0"/>
+            </a:xfrm>
+            <a:prstGeom prst="straightConnector1">
+              <a:avLst/>
+            </a:prstGeom>
+            <a:ln>
+              <a:tailEnd type="arrow"/>
+            </a:ln>
+          </p:spPr>
+          <p:style>
+            <a:lnRef idx="2">
+              <a:schemeClr val="accent1"/>
+            </a:lnRef>
+            <a:fillRef idx="0">
+              <a:schemeClr val="accent1"/>
+            </a:fillRef>
+            <a:effectRef idx="1">
+              <a:schemeClr val="accent1"/>
+            </a:effectRef>
+            <a:fontRef idx="minor">
+              <a:schemeClr val="tx1"/>
+            </a:fontRef>
+          </p:style>
+        </p:cxnSp>
+        <p:cxnSp>
+          <p:nvCxnSpPr>
+            <p:cNvPr id="21" name="Straight Arrow Connector 20"/>
+            <p:cNvCxnSpPr>
+              <a:stCxn id="8" idx="3"/>
+              <a:endCxn id="16" idx="1"/>
+            </p:cNvCxnSpPr>
+            <p:nvPr/>
+          </p:nvCxnSpPr>
+          <p:spPr>
+            <a:xfrm>
+              <a:off x="2445222" y="4082983"/>
+              <a:ext cx="2961543" cy="0"/>
+            </a:xfrm>
+            <a:prstGeom prst="straightConnector1">
+              <a:avLst/>
+            </a:prstGeom>
+            <a:ln>
+              <a:tailEnd type="arrow"/>
+            </a:ln>
+          </p:spPr>
+          <p:style>
+            <a:lnRef idx="2">
+              <a:schemeClr val="accent1"/>
+            </a:lnRef>
+            <a:fillRef idx="0">
+              <a:schemeClr val="accent1"/>
+            </a:fillRef>
+            <a:effectRef idx="1">
+              <a:schemeClr val="accent1"/>
+            </a:effectRef>
+            <a:fontRef idx="minor">
+              <a:schemeClr val="tx1"/>
+            </a:fontRef>
+          </p:style>
+        </p:cxnSp>
+        <p:cxnSp>
+          <p:nvCxnSpPr>
+            <p:cNvPr id="23" name="Straight Arrow Connector 22"/>
+            <p:cNvCxnSpPr>
+              <a:stCxn id="6" idx="3"/>
+              <a:endCxn id="16" idx="1"/>
+            </p:cNvCxnSpPr>
+            <p:nvPr/>
+          </p:nvCxnSpPr>
+          <p:spPr>
+            <a:xfrm>
+              <a:off x="2388358" y="2333767"/>
+              <a:ext cx="3018407" cy="1749216"/>
+            </a:xfrm>
+            <a:prstGeom prst="straightConnector1">
+              <a:avLst/>
+            </a:prstGeom>
+            <a:ln>
+              <a:tailEnd type="arrow"/>
+            </a:ln>
+          </p:spPr>
+          <p:style>
+            <a:lnRef idx="2">
+              <a:schemeClr val="accent1"/>
+            </a:lnRef>
+            <a:fillRef idx="0">
+              <a:schemeClr val="accent1"/>
+            </a:fillRef>
+            <a:effectRef idx="1">
+              <a:schemeClr val="accent1"/>
+            </a:effectRef>
+            <a:fontRef idx="minor">
+              <a:schemeClr val="tx1"/>
+            </a:fontRef>
+          </p:style>
+        </p:cxnSp>
+        <p:cxnSp>
+          <p:nvCxnSpPr>
+            <p:cNvPr id="25" name="Straight Arrow Connector 24"/>
+            <p:cNvCxnSpPr>
+              <a:stCxn id="8" idx="3"/>
+            </p:cNvCxnSpPr>
+            <p:nvPr/>
+          </p:nvCxnSpPr>
+          <p:spPr>
+            <a:xfrm flipV="1">
+              <a:off x="2445222" y="2356119"/>
+              <a:ext cx="2906975" cy="1726864"/>
+            </a:xfrm>
+            <a:prstGeom prst="straightConnector1">
+              <a:avLst/>
+            </a:prstGeom>
+            <a:ln>
+              <a:tailEnd type="arrow"/>
+            </a:ln>
+          </p:spPr>
+          <p:style>
+            <a:lnRef idx="2">
+              <a:schemeClr val="accent1"/>
+            </a:lnRef>
+            <a:fillRef idx="0">
+              <a:schemeClr val="accent1"/>
+            </a:fillRef>
+            <a:effectRef idx="1">
+              <a:schemeClr val="accent1"/>
+            </a:effectRef>
+            <a:fontRef idx="minor">
+              <a:schemeClr val="tx1"/>
+            </a:fontRef>
+          </p:style>
+        </p:cxnSp>
+        <p:sp>
+          <p:nvSpPr>
+            <p:cNvPr id="27" name="Oval 26"/>
+            <p:cNvSpPr/>
+            <p:nvPr/>
+          </p:nvSpPr>
+          <p:spPr>
+            <a:xfrm>
+              <a:off x="7945269" y="2120483"/>
+              <a:ext cx="436728" cy="416679"/>
+            </a:xfrm>
+            <a:prstGeom prst="ellipse">
+              <a:avLst/>
+            </a:prstGeom>
+            <a:noFill/>
+          </p:spPr>
+          <p:style>
+            <a:lnRef idx="1">
+              <a:schemeClr val="accent1"/>
+            </a:lnRef>
+            <a:fillRef idx="3">
+              <a:schemeClr val="accent1"/>
+            </a:fillRef>
+            <a:effectRef idx="2">
+              <a:schemeClr val="accent1"/>
+            </a:effectRef>
+            <a:fontRef idx="minor">
+              <a:schemeClr val="lt1"/>
+            </a:fontRef>
+          </p:style>
+          <p:txBody>
+            <a:bodyPr rtlCol="0" anchor="ctr"/>
+            <a:lstStyle/>
+            <a:p>
+              <a:pPr algn="ctr"/>
+              <a:endParaRPr lang="en-US"/>
+            </a:p>
+          </p:txBody>
+        </p:sp>
+        <p:sp>
+          <p:nvSpPr>
+            <p:cNvPr id="28" name="Oval 27"/>
+            <p:cNvSpPr/>
+            <p:nvPr/>
+          </p:nvSpPr>
+          <p:spPr>
+            <a:xfrm>
+              <a:off x="7986213" y="3869699"/>
+              <a:ext cx="436728" cy="416679"/>
+            </a:xfrm>
+            <a:prstGeom prst="ellipse">
+              <a:avLst/>
+            </a:prstGeom>
+            <a:noFill/>
+          </p:spPr>
+          <p:style>
+            <a:lnRef idx="1">
+              <a:schemeClr val="accent1"/>
+            </a:lnRef>
+            <a:fillRef idx="3">
+              <a:schemeClr val="accent1"/>
+            </a:fillRef>
+            <a:effectRef idx="2">
+              <a:schemeClr val="accent1"/>
+            </a:effectRef>
+            <a:fontRef idx="minor">
+              <a:schemeClr val="lt1"/>
+            </a:fontRef>
+          </p:style>
+          <p:txBody>
+            <a:bodyPr rtlCol="0" anchor="ctr"/>
+            <a:lstStyle/>
+            <a:p>
+              <a:pPr algn="ctr"/>
+              <a:endParaRPr lang="en-US"/>
+            </a:p>
+          </p:txBody>
+        </p:sp>
+        <p:cxnSp>
+          <p:nvCxnSpPr>
+            <p:cNvPr id="30" name="Straight Arrow Connector 29"/>
+            <p:cNvCxnSpPr>
+              <a:stCxn id="27" idx="2"/>
+              <a:endCxn id="13" idx="3"/>
+            </p:cNvCxnSpPr>
+            <p:nvPr/>
+          </p:nvCxnSpPr>
+          <p:spPr>
+            <a:xfrm flipH="1">
+              <a:off x="6935337" y="2328823"/>
+              <a:ext cx="1009932" cy="4944"/>
+            </a:xfrm>
+            <a:prstGeom prst="straightConnector1">
+              <a:avLst/>
+            </a:prstGeom>
+            <a:ln>
+              <a:tailEnd type="arrow"/>
+            </a:ln>
+          </p:spPr>
+          <p:style>
+            <a:lnRef idx="2">
+              <a:schemeClr val="accent1"/>
+            </a:lnRef>
+            <a:fillRef idx="0">
+              <a:schemeClr val="accent1"/>
+            </a:fillRef>
+            <a:effectRef idx="1">
+              <a:schemeClr val="accent1"/>
+            </a:effectRef>
+            <a:fontRef idx="minor">
+              <a:schemeClr val="tx1"/>
+            </a:fontRef>
+          </p:style>
+        </p:cxnSp>
+        <p:cxnSp>
+          <p:nvCxnSpPr>
+            <p:cNvPr id="32" name="Straight Arrow Connector 31"/>
+            <p:cNvCxnSpPr>
+              <a:stCxn id="28" idx="2"/>
+              <a:endCxn id="16" idx="3"/>
+            </p:cNvCxnSpPr>
+            <p:nvPr/>
+          </p:nvCxnSpPr>
+          <p:spPr>
+            <a:xfrm flipH="1">
+              <a:off x="6989905" y="4078039"/>
+              <a:ext cx="996308" cy="4944"/>
+            </a:xfrm>
+            <a:prstGeom prst="straightConnector1">
+              <a:avLst/>
+            </a:prstGeom>
+            <a:ln>
+              <a:tailEnd type="arrow"/>
+            </a:ln>
+          </p:spPr>
+          <p:style>
+            <a:lnRef idx="2">
+              <a:schemeClr val="accent1"/>
+            </a:lnRef>
+            <a:fillRef idx="0">
+              <a:schemeClr val="accent1"/>
+            </a:fillRef>
+            <a:effectRef idx="1">
+              <a:schemeClr val="accent1"/>
+            </a:effectRef>
+            <a:fontRef idx="minor">
+              <a:schemeClr val="tx1"/>
+            </a:fontRef>
+          </p:style>
+        </p:cxnSp>
+      </p:grpSp>
+      <p:sp>
+        <p:nvSpPr>
+          <p:cNvPr id="34" name="Rectangle 33"/>
+          <p:cNvSpPr/>
+          <p:nvPr/>
+        </p:nvSpPr>
+        <p:spPr>
+          <a:xfrm>
+            <a:off x="3427351" y="2044167"/>
+            <a:ext cx="1082348" cy="369332"/>
+          </a:xfrm>
+          <a:prstGeom prst="rect">
+            <a:avLst/>
+          </a:prstGeom>
+        </p:spPr>
+        <p:txBody>
+          <a:bodyPr wrap="none">
+            <a:spAutoFit/>
+          </a:bodyPr>
+          <a:lstStyle/>
+          <a:p>
+            <a:r>
+              <a:rPr lang="en-US" dirty="0">
+                <a:solidFill>
+                  <a:srgbClr val="E700B5"/>
+                </a:solidFill>
+                <a:latin typeface="Helvetica"/>
+                <a:cs typeface="Helvetica"/>
+              </a:rPr>
+              <a:t>F</a:t>
+            </a:r>
+            <a:r>
+              <a:rPr lang="en-US" i="1" baseline="-25000" dirty="0">
+                <a:solidFill>
+                  <a:srgbClr val="E700B5"/>
+                </a:solidFill>
+                <a:latin typeface="Helvetica"/>
+                <a:cs typeface="Helvetica"/>
+              </a:rPr>
+              <a:t>t</a:t>
+            </a:r>
+            <a:r>
+              <a:rPr lang="en-US" dirty="0">
+                <a:solidFill>
+                  <a:srgbClr val="E700B5"/>
+                </a:solidFill>
+                <a:latin typeface="Helvetica"/>
+                <a:cs typeface="Helvetica"/>
+              </a:rPr>
+              <a:t> </a:t>
+            </a:r>
+            <a:r>
+              <a:rPr lang="en-US" dirty="0">
+                <a:solidFill>
+                  <a:srgbClr val="E700B5"/>
+                </a:solidFill>
+                <a:latin typeface="Helvetica"/>
+                <a:cs typeface="Helvetica"/>
+                <a:sym typeface="Wingdings"/>
+              </a:rPr>
+              <a:t> F</a:t>
+            </a:r>
+            <a:r>
+              <a:rPr lang="en-US" i="1" baseline="-25000" dirty="0">
+                <a:solidFill>
+                  <a:srgbClr val="E700B5"/>
+                </a:solidFill>
+                <a:latin typeface="Helvetica"/>
+                <a:cs typeface="Helvetica"/>
+              </a:rPr>
+              <a:t>t</a:t>
+            </a:r>
+            <a:r>
+              <a:rPr lang="en-US" baseline="-25000" dirty="0">
+                <a:solidFill>
+                  <a:srgbClr val="E700B5"/>
+                </a:solidFill>
+                <a:latin typeface="Helvetica"/>
+                <a:cs typeface="Helvetica"/>
+              </a:rPr>
+              <a:t>+1</a:t>
+            </a:r>
+            <a:endParaRPr lang="en-US" dirty="0">
+              <a:solidFill>
+                <a:srgbClr val="E700B5"/>
+              </a:solidFill>
+              <a:latin typeface="Helvetica"/>
+              <a:cs typeface="Helvetica"/>
+            </a:endParaRPr>
+          </a:p>
+        </p:txBody>
+      </p:sp>
+      <p:sp>
+        <p:nvSpPr>
+          <p:cNvPr id="35" name="Rectangle 34"/>
+          <p:cNvSpPr/>
+          <p:nvPr/>
+        </p:nvSpPr>
+        <p:spPr>
+          <a:xfrm>
+            <a:off x="3546177" y="4582699"/>
+            <a:ext cx="1184940" cy="369332"/>
+          </a:xfrm>
+          <a:prstGeom prst="rect">
+            <a:avLst/>
+          </a:prstGeom>
+        </p:spPr>
+        <p:txBody>
+          <a:bodyPr wrap="none">
+            <a:spAutoFit/>
+          </a:bodyPr>
+          <a:lstStyle/>
+          <a:p>
+            <a:pPr>
+              <a:defRPr/>
+            </a:pPr>
+            <a:r>
+              <a:rPr lang="en-US" dirty="0">
+                <a:solidFill>
+                  <a:srgbClr val="0000FF"/>
+                </a:solidFill>
+                <a:latin typeface="Helvetica"/>
+                <a:cs typeface="Helvetica"/>
+              </a:rPr>
+              <a:t>M</a:t>
+            </a:r>
+            <a:r>
+              <a:rPr lang="en-US" i="1" baseline="-25000" dirty="0">
+                <a:solidFill>
+                  <a:srgbClr val="0000FF"/>
+                </a:solidFill>
+                <a:latin typeface="Helvetica"/>
+                <a:cs typeface="Helvetica"/>
+              </a:rPr>
+              <a:t>t</a:t>
+            </a:r>
+            <a:r>
+              <a:rPr lang="en-US" dirty="0">
+                <a:solidFill>
+                  <a:srgbClr val="0000FF"/>
+                </a:solidFill>
+                <a:latin typeface="Helvetica"/>
+                <a:cs typeface="Helvetica"/>
+              </a:rPr>
+              <a:t> </a:t>
+            </a:r>
+            <a:r>
+              <a:rPr lang="en-US" dirty="0">
+                <a:solidFill>
+                  <a:srgbClr val="0000FF"/>
+                </a:solidFill>
+                <a:latin typeface="Helvetica"/>
+                <a:cs typeface="Helvetica"/>
+                <a:sym typeface="Wingdings"/>
+              </a:rPr>
+              <a:t> M</a:t>
+            </a:r>
+            <a:r>
+              <a:rPr lang="en-US" i="1" baseline="-25000" dirty="0">
+                <a:solidFill>
+                  <a:srgbClr val="0000FF"/>
+                </a:solidFill>
+                <a:latin typeface="Helvetica"/>
+                <a:cs typeface="Helvetica"/>
+              </a:rPr>
+              <a:t>t</a:t>
+            </a:r>
+            <a:r>
+              <a:rPr lang="en-US" baseline="-25000" dirty="0">
+                <a:solidFill>
+                  <a:srgbClr val="0000FF"/>
+                </a:solidFill>
+                <a:latin typeface="Helvetica"/>
+                <a:cs typeface="Helvetica"/>
+              </a:rPr>
+              <a:t>+1</a:t>
+            </a:r>
+            <a:endParaRPr lang="en-US" dirty="0">
+              <a:solidFill>
+                <a:srgbClr val="0000FF"/>
+              </a:solidFill>
+              <a:latin typeface="Helvetica"/>
+              <a:cs typeface="Helvetica"/>
+            </a:endParaRPr>
+          </a:p>
+        </p:txBody>
+      </p:sp>
+      <p:sp>
+        <p:nvSpPr>
+          <p:cNvPr id="36" name="Rectangle 35"/>
+          <p:cNvSpPr/>
+          <p:nvPr/>
+        </p:nvSpPr>
+        <p:spPr>
+          <a:xfrm>
+            <a:off x="3186258" y="2856152"/>
+            <a:ext cx="1112805" cy="369332"/>
+          </a:xfrm>
+          <a:prstGeom prst="rect">
+            <a:avLst/>
+          </a:prstGeom>
+        </p:spPr>
+        <p:txBody>
+          <a:bodyPr wrap="none">
+            <a:spAutoFit/>
+          </a:bodyPr>
+          <a:lstStyle/>
+          <a:p>
+            <a:r>
+              <a:rPr lang="en-US" dirty="0">
+                <a:solidFill>
+                  <a:srgbClr val="E700B5"/>
+                </a:solidFill>
+                <a:latin typeface="Helvetica"/>
+                <a:cs typeface="Helvetica"/>
+              </a:rPr>
+              <a:t>F</a:t>
+            </a:r>
+            <a:r>
+              <a:rPr lang="en-US" i="1" baseline="-25000" dirty="0">
+                <a:solidFill>
+                  <a:srgbClr val="E700B5"/>
+                </a:solidFill>
+                <a:latin typeface="Helvetica"/>
+                <a:cs typeface="Helvetica"/>
+              </a:rPr>
+              <a:t>t</a:t>
+            </a:r>
+            <a:r>
+              <a:rPr lang="en-US" baseline="-25000" dirty="0">
+                <a:solidFill>
+                  <a:srgbClr val="E700B5"/>
+                </a:solidFill>
+                <a:latin typeface="Helvetica"/>
+                <a:cs typeface="Helvetica"/>
+              </a:rPr>
+              <a:t> </a:t>
+            </a:r>
+            <a:r>
+              <a:rPr lang="en-US" dirty="0">
+                <a:solidFill>
+                  <a:srgbClr val="E700B5"/>
+                </a:solidFill>
+                <a:latin typeface="Helvetica"/>
+                <a:cs typeface="Helvetica"/>
+                <a:sym typeface="Wingdings"/>
+              </a:rPr>
+              <a:t> </a:t>
+            </a:r>
+            <a:r>
+              <a:rPr lang="en-US" dirty="0">
+                <a:solidFill>
+                  <a:srgbClr val="0000FF"/>
+                </a:solidFill>
+                <a:latin typeface="Helvetica"/>
+                <a:cs typeface="Helvetica"/>
+                <a:sym typeface="Wingdings"/>
+              </a:rPr>
+              <a:t>M</a:t>
+            </a:r>
+            <a:r>
+              <a:rPr lang="en-US" i="1" baseline="-25000" dirty="0">
+                <a:solidFill>
+                  <a:srgbClr val="0000FF"/>
+                </a:solidFill>
+                <a:latin typeface="Helvetica"/>
+                <a:cs typeface="Helvetica"/>
+              </a:rPr>
+              <a:t>t</a:t>
+            </a:r>
+            <a:r>
+              <a:rPr lang="en-US" baseline="-25000" dirty="0">
+                <a:solidFill>
+                  <a:srgbClr val="0000FF"/>
+                </a:solidFill>
+                <a:latin typeface="Helvetica"/>
+                <a:cs typeface="Helvetica"/>
+              </a:rPr>
+              <a:t>+1</a:t>
+            </a:r>
+            <a:endParaRPr lang="en-US" dirty="0">
+              <a:solidFill>
+                <a:srgbClr val="E700B5"/>
+              </a:solidFill>
+              <a:latin typeface="Helvetica"/>
+              <a:cs typeface="Helvetica"/>
+            </a:endParaRPr>
+          </a:p>
+        </p:txBody>
+      </p:sp>
+      <p:sp>
+        <p:nvSpPr>
+          <p:cNvPr id="37" name="Rectangle 36"/>
+          <p:cNvSpPr/>
+          <p:nvPr/>
+        </p:nvSpPr>
+        <p:spPr>
+          <a:xfrm>
+            <a:off x="3186258" y="3821522"/>
+            <a:ext cx="1133644" cy="369332"/>
+          </a:xfrm>
+          <a:prstGeom prst="rect">
+            <a:avLst/>
+          </a:prstGeom>
+        </p:spPr>
+        <p:txBody>
+          <a:bodyPr wrap="none">
+            <a:spAutoFit/>
+          </a:bodyPr>
+          <a:lstStyle/>
+          <a:p>
+            <a:pPr>
+              <a:defRPr/>
+            </a:pPr>
+            <a:r>
+              <a:rPr lang="en-US" dirty="0">
+                <a:solidFill>
+                  <a:srgbClr val="0000FF"/>
+                </a:solidFill>
+                <a:latin typeface="Helvetica"/>
+                <a:cs typeface="Helvetica"/>
+                <a:sym typeface="Wingdings"/>
+              </a:rPr>
+              <a:t>M</a:t>
+            </a:r>
+            <a:r>
+              <a:rPr lang="en-US" i="1" baseline="-25000" dirty="0">
+                <a:solidFill>
+                  <a:srgbClr val="0000FF"/>
+                </a:solidFill>
+                <a:latin typeface="Helvetica"/>
+                <a:cs typeface="Helvetica"/>
+              </a:rPr>
+              <a:t>t</a:t>
+            </a:r>
+            <a:r>
+              <a:rPr lang="en-US" dirty="0">
+                <a:solidFill>
+                  <a:srgbClr val="0000FF"/>
+                </a:solidFill>
+                <a:latin typeface="Helvetica"/>
+                <a:cs typeface="Helvetica"/>
+              </a:rPr>
+              <a:t> </a:t>
+            </a:r>
+            <a:r>
+              <a:rPr lang="en-US" dirty="0">
+                <a:solidFill>
+                  <a:srgbClr val="0000FF"/>
+                </a:solidFill>
+                <a:latin typeface="Helvetica"/>
+                <a:cs typeface="Helvetica"/>
+                <a:sym typeface="Wingdings"/>
+              </a:rPr>
+              <a:t> </a:t>
+            </a:r>
+            <a:r>
+              <a:rPr lang="en-US" dirty="0">
+                <a:solidFill>
+                  <a:srgbClr val="E700B5"/>
+                </a:solidFill>
+                <a:latin typeface="Helvetica"/>
+                <a:cs typeface="Helvetica"/>
+                <a:sym typeface="Wingdings"/>
+              </a:rPr>
+              <a:t>F</a:t>
+            </a:r>
+            <a:r>
+              <a:rPr lang="en-US" i="1" baseline="-25000" dirty="0">
+                <a:solidFill>
+                  <a:srgbClr val="E700B5"/>
+                </a:solidFill>
+                <a:latin typeface="Helvetica"/>
+                <a:cs typeface="Helvetica"/>
+              </a:rPr>
+              <a:t>t</a:t>
+            </a:r>
+            <a:r>
+              <a:rPr lang="en-US" baseline="-25000" dirty="0">
+                <a:solidFill>
+                  <a:srgbClr val="E700B5"/>
+                </a:solidFill>
+                <a:latin typeface="Helvetica"/>
+                <a:cs typeface="Helvetica"/>
+              </a:rPr>
+              <a:t>+1</a:t>
+            </a:r>
+            <a:endParaRPr lang="en-US" dirty="0">
+              <a:solidFill>
+                <a:srgbClr val="0000FF"/>
+              </a:solidFill>
+              <a:latin typeface="Helvetica"/>
+              <a:cs typeface="Helvetica"/>
+            </a:endParaRPr>
+          </a:p>
+        </p:txBody>
+      </p:sp>
+    </p:spTree>
+    <p:extLst>
+      <p:ext uri="{BB962C8B-B14F-4D97-AF65-F5344CB8AC3E}">
+        <p14:creationId xmlns:p14="http://schemas.microsoft.com/office/powerpoint/2010/main" val="3992654157"/>
+      </p:ext>
+    </p:extLst>
+  </p:cSld>
+  <p:clrMapOvr>
+    <a:masterClrMapping/>
+  </p:clrMapOvr>
+  <p:timing>
+    <p:tnLst>
+      <p:par>
+        <p:cTn id="1" dur="indefinite" restart="never" nodeType="tmRoot"/>
+      </p:par>
+    </p:tnLst>
+  </p:timing>
+</p:sld>
+</file>
+
+<file path=ppt/slides/slide36.xml><?xml version="1.0" encoding="utf-8"?>
+<p:sld xmlns:a="http://schemas.openxmlformats.org/drawingml/2006/main" xmlns:r="http://schemas.openxmlformats.org/officeDocument/2006/relationships" xmlns:p="http://schemas.openxmlformats.org/presentationml/2006/main">
+  <p:cSld>
+    <p:spTree>
+      <p:nvGrpSpPr>
+        <p:cNvPr id="1" name=""/>
+        <p:cNvGrpSpPr/>
+        <p:nvPr/>
+      </p:nvGrpSpPr>
+      <p:grpSpPr>
+        <a:xfrm>
+          <a:off x="0" y="0"/>
+          <a:ext cx="0" cy="0"/>
+          <a:chOff x="0" y="0"/>
+          <a:chExt cx="0" cy="0"/>
+        </a:xfrm>
+      </p:grpSpPr>
+      <p:sp>
+        <p:nvSpPr>
           <p:cNvPr id="2" name="Title 1"/>
           <p:cNvSpPr>
             <a:spLocks noGrp="1"/>
@@ -12412,15 +13835,7 @@
           <a:p>
             <a:r>
               <a:rPr lang="en-US" dirty="0" smtClean="0"/>
-              <a:t>Cross-Lagged</a:t>
-            </a:r>
-            <a:r>
-              <a:rPr lang="en-US" dirty="0" smtClean="0"/>
-              <a:t> </a:t>
-            </a:r>
-            <a:r>
-              <a:rPr lang="en-US" dirty="0" smtClean="0"/>
-              <a:t>Results</a:t>
+              <a:t>VAR / Cross-Lagged Model Results</a:t>
             </a:r>
             <a:endParaRPr lang="en-US" dirty="0"/>
           </a:p>
@@ -12443,7 +13858,7 @@
           <a:p>
             <a:fld id="{930465AD-53DA-D841-AEBD-0BDBF8BCBA90}" type="slidenum">
               <a:rPr lang="en-US" smtClean="0"/>
-              <a:t>33</a:t>
+              <a:t>36</a:t>
             </a:fld>
             <a:endParaRPr lang="en-US"/>
           </a:p>
@@ -13077,14 +14492,7 @@
                 <a:latin typeface="Helvetica"/>
                 <a:cs typeface="Helvetica"/>
               </a:rPr>
-              <a:t>Standard Errors are in </a:t>
-            </a:r>
-            <a:r>
-              <a:rPr lang="en-US" sz="1600" dirty="0" smtClean="0">
-                <a:latin typeface="Helvetica"/>
-                <a:cs typeface="Helvetica"/>
-              </a:rPr>
-              <a:t>parentheses</a:t>
+              <a:t>Standard Errors are in parentheses</a:t>
             </a:r>
             <a:endParaRPr lang="en-US" sz="1600" dirty="0">
               <a:latin typeface="Helvetica"/>
@@ -13370,7 +14778,7 @@
 </p:sld>
 </file>
 
-<file path=ppt/slides/slide34.xml><?xml version="1.0" encoding="utf-8"?>
+<file path=ppt/slides/slide37.xml><?xml version="1.0" encoding="utf-8"?>
 <p:sld xmlns:a="http://schemas.openxmlformats.org/drawingml/2006/main" xmlns:r="http://schemas.openxmlformats.org/officeDocument/2006/relationships" xmlns:p="http://schemas.openxmlformats.org/presentationml/2006/main">
   <p:cSld>
     <p:spTree>
@@ -13434,11 +14842,7 @@
           <a:p>
             <a:r>
               <a:rPr lang="en-US" dirty="0" smtClean="0"/>
-              <a:t>Evidence of self-regulation (“cycling”) using Coupled LDE when female partners provide support / male partners receive </a:t>
-            </a:r>
-            <a:r>
-              <a:rPr lang="en-US" dirty="0" smtClean="0"/>
-              <a:t>support</a:t>
+              <a:t>Evidence of self-regulation (“cycling”) using Coupled LDE when female partners provide support / male partners receive support</a:t>
             </a:r>
           </a:p>
           <a:p>
@@ -13449,7 +14853,6 @@
               <a:rPr lang="en-US" dirty="0" smtClean="0"/>
               <a:t>No evidence of any effect in a standard cross-lagged analysis</a:t>
             </a:r>
-            <a:endParaRPr lang="en-US" dirty="0" smtClean="0"/>
           </a:p>
           <a:p>
             <a:endParaRPr lang="en-US" dirty="0"/>
@@ -13473,7 +14876,7 @@
           <a:p>
             <a:fld id="{930465AD-53DA-D841-AEBD-0BDBF8BCBA90}" type="slidenum">
               <a:rPr lang="en-US" smtClean="0"/>
-              <a:t>34</a:t>
+              <a:t>37</a:t>
             </a:fld>
             <a:endParaRPr lang="en-US"/>
           </a:p>
@@ -13623,7 +15026,7 @@
 </p:sld>
 </file>
 
-<file path=ppt/slides/slide35.xml><?xml version="1.0" encoding="utf-8"?>
+<file path=ppt/slides/slide38.xml><?xml version="1.0" encoding="utf-8"?>
 <p:sld xmlns:a="http://schemas.openxmlformats.org/drawingml/2006/main" xmlns:r="http://schemas.openxmlformats.org/officeDocument/2006/relationships" xmlns:p="http://schemas.openxmlformats.org/presentationml/2006/main">
   <p:cSld>
     <p:spTree>
@@ -13687,7 +15090,7 @@
           <a:p>
             <a:fld id="{562B05B1-F230-4C39-ACDE-CFBA7CA93D5F}" type="slidenum">
               <a:rPr lang="en-US" smtClean="0"/>
-              <a:t>35</a:t>
+              <a:t>38</a:t>
             </a:fld>
             <a:endParaRPr lang="en-US"/>
           </a:p>
@@ -14584,8 +15987,16 @@
           <a:p>
             <a:pPr eaLnBrk="1" hangingPunct="1"/>
             <a:r>
-              <a:rPr lang="en-US" altLang="en-US" smtClean="0"/>
-              <a:t>Application: How weekly routines are dampened by a major stressor</a:t>
+              <a:rPr lang="en-US" altLang="en-US" u="sng" dirty="0" smtClean="0"/>
+              <a:t>First Attempt</a:t>
+            </a:r>
+            <a:r>
+              <a:rPr lang="en-US" altLang="en-US" dirty="0" smtClean="0"/>
+              <a:t>: </a:t>
+            </a:r>
+            <a:r>
+              <a:rPr lang="en-US" altLang="en-US" dirty="0" smtClean="0"/>
+              <a:t>How weekly routines are dampened by a major stressor</a:t>
             </a:r>
           </a:p>
         </p:txBody>
@@ -14690,7 +16101,7 @@
           <a:graphicData uri="http://schemas.openxmlformats.org/presentationml/2006/ole">
             <mc:AlternateContent xmlns:mc="http://schemas.openxmlformats.org/markup-compatibility/2006">
               <mc:Choice xmlns:v="urn:schemas-microsoft-com:vml" Requires="v">
-                <p:oleObj spid="_x0000_s2086" name="Chart" r:id="rId3" imgW="8220150" imgH="4533990" progId="MSGraph.Chart.8">
+                <p:oleObj spid="_x0000_s2095" name="Chart" r:id="rId3" imgW="8220150" imgH="4533990" progId="MSGraph.Chart.8">
                   <p:embed followColorScheme="full"/>
                 </p:oleObj>
               </mc:Choice>
@@ -15286,7 +16697,7 @@
           <a:graphicData uri="http://schemas.openxmlformats.org/presentationml/2006/ole">
             <mc:AlternateContent xmlns:mc="http://schemas.openxmlformats.org/markup-compatibility/2006">
               <mc:Choice xmlns:v="urn:schemas-microsoft-com:vml" Requires="v">
-                <p:oleObj spid="_x0000_s3110" name="Chart" r:id="rId3" imgW="8220150" imgH="4533990" progId="MSGraph.Chart.8">
+                <p:oleObj spid="_x0000_s3119" name="Chart" r:id="rId3" imgW="8220150" imgH="4533990" progId="MSGraph.Chart.8">
                   <p:embed followColorScheme="full"/>
                 </p:oleObj>
               </mc:Choice>
